--- a/Presentation2.pptx
+++ b/Presentation2.pptx
@@ -5,7 +5,7 @@
     <p:sldMasterId id="2147483648" r:id="rId1"/>
   </p:sldMasterIdLst>
   <p:notesMasterIdLst>
-    <p:notesMasterId r:id="rId15"/>
+    <p:notesMasterId r:id="rId17"/>
   </p:notesMasterIdLst>
   <p:sldIdLst>
     <p:sldId id="256" r:id="rId2"/>
@@ -18,9 +18,11 @@
     <p:sldId id="270" r:id="rId9"/>
     <p:sldId id="271" r:id="rId10"/>
     <p:sldId id="260" r:id="rId11"/>
-    <p:sldId id="261" r:id="rId12"/>
-    <p:sldId id="274" r:id="rId13"/>
-    <p:sldId id="273" r:id="rId14"/>
+    <p:sldId id="274" r:id="rId12"/>
+    <p:sldId id="273" r:id="rId13"/>
+    <p:sldId id="275" r:id="rId14"/>
+    <p:sldId id="276" r:id="rId15"/>
+    <p:sldId id="277" r:id="rId16"/>
   </p:sldIdLst>
   <p:sldSz cx="12192000" cy="6858000"/>
   <p:notesSz cx="6858000" cy="9144000"/>
@@ -663,6 +665,342 @@
 </p:notes>
 </file>
 
+<file path=ppt/notesSlides/notesSlide10.xml><?xml version="1.0" encoding="utf-8"?>
+<p:notes xmlns:a="http://schemas.openxmlformats.org/drawingml/2006/main" xmlns:r="http://schemas.openxmlformats.org/officeDocument/2006/relationships" xmlns:p="http://schemas.openxmlformats.org/presentationml/2006/main">
+  <p:cSld>
+    <p:spTree>
+      <p:nvGrpSpPr>
+        <p:cNvPr id="1" name=""/>
+        <p:cNvGrpSpPr/>
+        <p:nvPr/>
+      </p:nvGrpSpPr>
+      <p:grpSpPr>
+        <a:xfrm>
+          <a:off x="0" y="0"/>
+          <a:ext cx="0" cy="0"/>
+          <a:chOff x="0" y="0"/>
+          <a:chExt cx="0" cy="0"/>
+        </a:xfrm>
+      </p:grpSpPr>
+      <p:sp>
+        <p:nvSpPr>
+          <p:cNvPr id="2" name="Slide Image Placeholder 1"/>
+          <p:cNvSpPr>
+            <a:spLocks noGrp="1" noRot="1" noChangeAspect="1"/>
+          </p:cNvSpPr>
+          <p:nvPr>
+            <p:ph type="sldImg"/>
+          </p:nvPr>
+        </p:nvSpPr>
+        <p:spPr/>
+      </p:sp>
+      <p:sp>
+        <p:nvSpPr>
+          <p:cNvPr id="3" name="Notes Placeholder 2"/>
+          <p:cNvSpPr>
+            <a:spLocks noGrp="1"/>
+          </p:cNvSpPr>
+          <p:nvPr>
+            <p:ph type="body" idx="1"/>
+          </p:nvPr>
+        </p:nvSpPr>
+        <p:spPr/>
+        <p:txBody>
+          <a:bodyPr/>
+          <a:lstStyle/>
+          <a:p>
+            <a:endParaRPr lang="nl-NL" dirty="0"/>
+          </a:p>
+        </p:txBody>
+      </p:sp>
+      <p:sp>
+        <p:nvSpPr>
+          <p:cNvPr id="4" name="Slide Number Placeholder 3"/>
+          <p:cNvSpPr>
+            <a:spLocks noGrp="1"/>
+          </p:cNvSpPr>
+          <p:nvPr>
+            <p:ph type="sldNum" sz="quarter" idx="10"/>
+          </p:nvPr>
+        </p:nvSpPr>
+        <p:spPr/>
+        <p:txBody>
+          <a:bodyPr/>
+          <a:lstStyle/>
+          <a:p>
+            <a:fld id="{9957C240-E7CE-4C0C-810B-D6FD17CCF4CA}" type="slidenum">
+              <a:rPr lang="nl-NL" smtClean="0"/>
+              <a:t>12</a:t>
+            </a:fld>
+            <a:endParaRPr lang="nl-NL"/>
+          </a:p>
+        </p:txBody>
+      </p:sp>
+    </p:spTree>
+    <p:extLst>
+      <p:ext uri="{BB962C8B-B14F-4D97-AF65-F5344CB8AC3E}">
+        <p14:creationId xmlns:p14="http://schemas.microsoft.com/office/powerpoint/2010/main" val="3357281004"/>
+      </p:ext>
+    </p:extLst>
+  </p:cSld>
+  <p:clrMapOvr>
+    <a:masterClrMapping/>
+  </p:clrMapOvr>
+</p:notes>
+</file>
+
+<file path=ppt/notesSlides/notesSlide11.xml><?xml version="1.0" encoding="utf-8"?>
+<p:notes xmlns:a="http://schemas.openxmlformats.org/drawingml/2006/main" xmlns:r="http://schemas.openxmlformats.org/officeDocument/2006/relationships" xmlns:p="http://schemas.openxmlformats.org/presentationml/2006/main">
+  <p:cSld>
+    <p:spTree>
+      <p:nvGrpSpPr>
+        <p:cNvPr id="1" name=""/>
+        <p:cNvGrpSpPr/>
+        <p:nvPr/>
+      </p:nvGrpSpPr>
+      <p:grpSpPr>
+        <a:xfrm>
+          <a:off x="0" y="0"/>
+          <a:ext cx="0" cy="0"/>
+          <a:chOff x="0" y="0"/>
+          <a:chExt cx="0" cy="0"/>
+        </a:xfrm>
+      </p:grpSpPr>
+      <p:sp>
+        <p:nvSpPr>
+          <p:cNvPr id="2" name="Slide Image Placeholder 1"/>
+          <p:cNvSpPr>
+            <a:spLocks noGrp="1" noRot="1" noChangeAspect="1"/>
+          </p:cNvSpPr>
+          <p:nvPr>
+            <p:ph type="sldImg"/>
+          </p:nvPr>
+        </p:nvSpPr>
+        <p:spPr/>
+      </p:sp>
+      <p:sp>
+        <p:nvSpPr>
+          <p:cNvPr id="3" name="Notes Placeholder 2"/>
+          <p:cNvSpPr>
+            <a:spLocks noGrp="1"/>
+          </p:cNvSpPr>
+          <p:nvPr>
+            <p:ph type="body" idx="1"/>
+          </p:nvPr>
+        </p:nvSpPr>
+        <p:spPr/>
+        <p:txBody>
+          <a:bodyPr/>
+          <a:lstStyle/>
+          <a:p>
+            <a:endParaRPr lang="nl-NL" dirty="0"/>
+          </a:p>
+        </p:txBody>
+      </p:sp>
+      <p:sp>
+        <p:nvSpPr>
+          <p:cNvPr id="4" name="Slide Number Placeholder 3"/>
+          <p:cNvSpPr>
+            <a:spLocks noGrp="1"/>
+          </p:cNvSpPr>
+          <p:nvPr>
+            <p:ph type="sldNum" sz="quarter" idx="10"/>
+          </p:nvPr>
+        </p:nvSpPr>
+        <p:spPr/>
+        <p:txBody>
+          <a:bodyPr/>
+          <a:lstStyle/>
+          <a:p>
+            <a:fld id="{9957C240-E7CE-4C0C-810B-D6FD17CCF4CA}" type="slidenum">
+              <a:rPr lang="nl-NL" smtClean="0"/>
+              <a:t>13</a:t>
+            </a:fld>
+            <a:endParaRPr lang="nl-NL"/>
+          </a:p>
+        </p:txBody>
+      </p:sp>
+    </p:spTree>
+    <p:extLst>
+      <p:ext uri="{BB962C8B-B14F-4D97-AF65-F5344CB8AC3E}">
+        <p14:creationId xmlns:p14="http://schemas.microsoft.com/office/powerpoint/2010/main" val="1185368539"/>
+      </p:ext>
+    </p:extLst>
+  </p:cSld>
+  <p:clrMapOvr>
+    <a:masterClrMapping/>
+  </p:clrMapOvr>
+</p:notes>
+</file>
+
+<file path=ppt/notesSlides/notesSlide12.xml><?xml version="1.0" encoding="utf-8"?>
+<p:notes xmlns:a="http://schemas.openxmlformats.org/drawingml/2006/main" xmlns:r="http://schemas.openxmlformats.org/officeDocument/2006/relationships" xmlns:p="http://schemas.openxmlformats.org/presentationml/2006/main">
+  <p:cSld>
+    <p:spTree>
+      <p:nvGrpSpPr>
+        <p:cNvPr id="1" name=""/>
+        <p:cNvGrpSpPr/>
+        <p:nvPr/>
+      </p:nvGrpSpPr>
+      <p:grpSpPr>
+        <a:xfrm>
+          <a:off x="0" y="0"/>
+          <a:ext cx="0" cy="0"/>
+          <a:chOff x="0" y="0"/>
+          <a:chExt cx="0" cy="0"/>
+        </a:xfrm>
+      </p:grpSpPr>
+      <p:sp>
+        <p:nvSpPr>
+          <p:cNvPr id="2" name="Slide Image Placeholder 1"/>
+          <p:cNvSpPr>
+            <a:spLocks noGrp="1" noRot="1" noChangeAspect="1"/>
+          </p:cNvSpPr>
+          <p:nvPr>
+            <p:ph type="sldImg"/>
+          </p:nvPr>
+        </p:nvSpPr>
+        <p:spPr/>
+      </p:sp>
+      <p:sp>
+        <p:nvSpPr>
+          <p:cNvPr id="3" name="Notes Placeholder 2"/>
+          <p:cNvSpPr>
+            <a:spLocks noGrp="1"/>
+          </p:cNvSpPr>
+          <p:nvPr>
+            <p:ph type="body" idx="1"/>
+          </p:nvPr>
+        </p:nvSpPr>
+        <p:spPr/>
+        <p:txBody>
+          <a:bodyPr/>
+          <a:lstStyle/>
+          <a:p>
+            <a:endParaRPr lang="nl-NL" dirty="0"/>
+          </a:p>
+        </p:txBody>
+      </p:sp>
+      <p:sp>
+        <p:nvSpPr>
+          <p:cNvPr id="4" name="Slide Number Placeholder 3"/>
+          <p:cNvSpPr>
+            <a:spLocks noGrp="1"/>
+          </p:cNvSpPr>
+          <p:nvPr>
+            <p:ph type="sldNum" sz="quarter" idx="10"/>
+          </p:nvPr>
+        </p:nvSpPr>
+        <p:spPr/>
+        <p:txBody>
+          <a:bodyPr/>
+          <a:lstStyle/>
+          <a:p>
+            <a:fld id="{9957C240-E7CE-4C0C-810B-D6FD17CCF4CA}" type="slidenum">
+              <a:rPr lang="nl-NL" smtClean="0"/>
+              <a:t>14</a:t>
+            </a:fld>
+            <a:endParaRPr lang="nl-NL"/>
+          </a:p>
+        </p:txBody>
+      </p:sp>
+    </p:spTree>
+    <p:extLst>
+      <p:ext uri="{BB962C8B-B14F-4D97-AF65-F5344CB8AC3E}">
+        <p14:creationId xmlns:p14="http://schemas.microsoft.com/office/powerpoint/2010/main" val="3037216895"/>
+      </p:ext>
+    </p:extLst>
+  </p:cSld>
+  <p:clrMapOvr>
+    <a:masterClrMapping/>
+  </p:clrMapOvr>
+</p:notes>
+</file>
+
+<file path=ppt/notesSlides/notesSlide13.xml><?xml version="1.0" encoding="utf-8"?>
+<p:notes xmlns:a="http://schemas.openxmlformats.org/drawingml/2006/main" xmlns:r="http://schemas.openxmlformats.org/officeDocument/2006/relationships" xmlns:p="http://schemas.openxmlformats.org/presentationml/2006/main">
+  <p:cSld>
+    <p:spTree>
+      <p:nvGrpSpPr>
+        <p:cNvPr id="1" name=""/>
+        <p:cNvGrpSpPr/>
+        <p:nvPr/>
+      </p:nvGrpSpPr>
+      <p:grpSpPr>
+        <a:xfrm>
+          <a:off x="0" y="0"/>
+          <a:ext cx="0" cy="0"/>
+          <a:chOff x="0" y="0"/>
+          <a:chExt cx="0" cy="0"/>
+        </a:xfrm>
+      </p:grpSpPr>
+      <p:sp>
+        <p:nvSpPr>
+          <p:cNvPr id="2" name="Slide Image Placeholder 1"/>
+          <p:cNvSpPr>
+            <a:spLocks noGrp="1" noRot="1" noChangeAspect="1"/>
+          </p:cNvSpPr>
+          <p:nvPr>
+            <p:ph type="sldImg"/>
+          </p:nvPr>
+        </p:nvSpPr>
+        <p:spPr/>
+      </p:sp>
+      <p:sp>
+        <p:nvSpPr>
+          <p:cNvPr id="3" name="Notes Placeholder 2"/>
+          <p:cNvSpPr>
+            <a:spLocks noGrp="1"/>
+          </p:cNvSpPr>
+          <p:nvPr>
+            <p:ph type="body" idx="1"/>
+          </p:nvPr>
+        </p:nvSpPr>
+        <p:spPr/>
+        <p:txBody>
+          <a:bodyPr/>
+          <a:lstStyle/>
+          <a:p>
+            <a:endParaRPr lang="nl-NL" dirty="0"/>
+          </a:p>
+        </p:txBody>
+      </p:sp>
+      <p:sp>
+        <p:nvSpPr>
+          <p:cNvPr id="4" name="Slide Number Placeholder 3"/>
+          <p:cNvSpPr>
+            <a:spLocks noGrp="1"/>
+          </p:cNvSpPr>
+          <p:nvPr>
+            <p:ph type="sldNum" sz="quarter" idx="10"/>
+          </p:nvPr>
+        </p:nvSpPr>
+        <p:spPr/>
+        <p:txBody>
+          <a:bodyPr/>
+          <a:lstStyle/>
+          <a:p>
+            <a:fld id="{9957C240-E7CE-4C0C-810B-D6FD17CCF4CA}" type="slidenum">
+              <a:rPr lang="nl-NL" smtClean="0"/>
+              <a:t>15</a:t>
+            </a:fld>
+            <a:endParaRPr lang="nl-NL"/>
+          </a:p>
+        </p:txBody>
+      </p:sp>
+    </p:spTree>
+    <p:extLst>
+      <p:ext uri="{BB962C8B-B14F-4D97-AF65-F5344CB8AC3E}">
+        <p14:creationId xmlns:p14="http://schemas.microsoft.com/office/powerpoint/2010/main" val="3831940714"/>
+      </p:ext>
+    </p:extLst>
+  </p:cSld>
+  <p:clrMapOvr>
+    <a:masterClrMapping/>
+  </p:clrMapOvr>
+</p:notes>
+</file>
+
 <file path=ppt/notesSlides/notesSlide2.xml><?xml version="1.0" encoding="utf-8"?>
 <p:notes xmlns:a="http://schemas.openxmlformats.org/drawingml/2006/main" xmlns:r="http://schemas.openxmlformats.org/officeDocument/2006/relationships" xmlns:p="http://schemas.openxmlformats.org/presentationml/2006/main">
   <p:cSld>
@@ -947,7 +1285,7 @@
           <a:p>
             <a:fld id="{9957C240-E7CE-4C0C-810B-D6FD17CCF4CA}" type="slidenum">
               <a:rPr lang="nl-NL" smtClean="0"/>
-              <a:t>7</a:t>
+              <a:t>6</a:t>
             </a:fld>
             <a:endParaRPr lang="nl-NL"/>
           </a:p>
@@ -956,7 +1294,7 @@
     </p:spTree>
     <p:extLst>
       <p:ext uri="{BB962C8B-B14F-4D97-AF65-F5344CB8AC3E}">
-        <p14:creationId xmlns:p14="http://schemas.microsoft.com/office/powerpoint/2010/main" val="2217244774"/>
+        <p14:creationId xmlns:p14="http://schemas.microsoft.com/office/powerpoint/2010/main" val="1510698816"/>
       </p:ext>
     </p:extLst>
   </p:cSld>
@@ -1031,7 +1369,7 @@
           <a:p>
             <a:fld id="{9957C240-E7CE-4C0C-810B-D6FD17CCF4CA}" type="slidenum">
               <a:rPr lang="nl-NL" smtClean="0"/>
-              <a:t>8</a:t>
+              <a:t>7</a:t>
             </a:fld>
             <a:endParaRPr lang="nl-NL"/>
           </a:p>
@@ -1040,7 +1378,7 @@
     </p:spTree>
     <p:extLst>
       <p:ext uri="{BB962C8B-B14F-4D97-AF65-F5344CB8AC3E}">
-        <p14:creationId xmlns:p14="http://schemas.microsoft.com/office/powerpoint/2010/main" val="1192188430"/>
+        <p14:creationId xmlns:p14="http://schemas.microsoft.com/office/powerpoint/2010/main" val="2217244774"/>
       </p:ext>
     </p:extLst>
   </p:cSld>
@@ -1094,6 +1432,36 @@
           <a:bodyPr/>
           <a:lstStyle/>
           <a:p>
+            <a:r>
+              <a:rPr lang="nl-NL" dirty="0" smtClean="0"/>
+              <a:t>Je</a:t>
+            </a:r>
+            <a:r>
+              <a:rPr lang="nl-NL" baseline="0" dirty="0" smtClean="0"/>
+              <a:t> pakt random een sample uit de gehele toestand.</a:t>
+            </a:r>
+          </a:p>
+          <a:p>
+            <a:endParaRPr lang="nl-NL" baseline="0" dirty="0" smtClean="0"/>
+          </a:p>
+          <a:p>
+            <a:r>
+              <a:rPr lang="nl-NL" baseline="0" dirty="0" smtClean="0"/>
+              <a:t>Hoe je doet; 1,2</a:t>
+            </a:r>
+          </a:p>
+          <a:p>
+            <a:endParaRPr lang="nl-NL" baseline="0" dirty="0" smtClean="0"/>
+          </a:p>
+          <a:p>
+            <a:r>
+              <a:rPr lang="nl-NL" baseline="0" dirty="0" smtClean="0"/>
+              <a:t>Het kan ook gebruikt worden als </a:t>
+            </a:r>
+            <a:r>
+              <a:rPr lang="nl-NL" dirty="0" smtClean="0"/>
+              <a:t>Toestandsgrootte </a:t>
+            </a:r>
             <a:endParaRPr lang="nl-NL" dirty="0"/>
           </a:p>
         </p:txBody>
@@ -1115,7 +1483,7 @@
           <a:p>
             <a:fld id="{9957C240-E7CE-4C0C-810B-D6FD17CCF4CA}" type="slidenum">
               <a:rPr lang="nl-NL" smtClean="0"/>
-              <a:t>13</a:t>
+              <a:t>8</a:t>
             </a:fld>
             <a:endParaRPr lang="nl-NL"/>
           </a:p>
@@ -1124,7 +1492,259 @@
     </p:spTree>
     <p:extLst>
       <p:ext uri="{BB962C8B-B14F-4D97-AF65-F5344CB8AC3E}">
-        <p14:creationId xmlns:p14="http://schemas.microsoft.com/office/powerpoint/2010/main" val="3357281004"/>
+        <p14:creationId xmlns:p14="http://schemas.microsoft.com/office/powerpoint/2010/main" val="1192188430"/>
+      </p:ext>
+    </p:extLst>
+  </p:cSld>
+  <p:clrMapOvr>
+    <a:masterClrMapping/>
+  </p:clrMapOvr>
+</p:notes>
+</file>
+
+<file path=ppt/notesSlides/notesSlide7.xml><?xml version="1.0" encoding="utf-8"?>
+<p:notes xmlns:a="http://schemas.openxmlformats.org/drawingml/2006/main" xmlns:r="http://schemas.openxmlformats.org/officeDocument/2006/relationships" xmlns:p="http://schemas.openxmlformats.org/presentationml/2006/main">
+  <p:cSld>
+    <p:spTree>
+      <p:nvGrpSpPr>
+        <p:cNvPr id="1" name=""/>
+        <p:cNvGrpSpPr/>
+        <p:nvPr/>
+      </p:nvGrpSpPr>
+      <p:grpSpPr>
+        <a:xfrm>
+          <a:off x="0" y="0"/>
+          <a:ext cx="0" cy="0"/>
+          <a:chOff x="0" y="0"/>
+          <a:chExt cx="0" cy="0"/>
+        </a:xfrm>
+      </p:grpSpPr>
+      <p:sp>
+        <p:nvSpPr>
+          <p:cNvPr id="2" name="Slide Image Placeholder 1"/>
+          <p:cNvSpPr>
+            <a:spLocks noGrp="1" noRot="1" noChangeAspect="1"/>
+          </p:cNvSpPr>
+          <p:nvPr>
+            <p:ph type="sldImg"/>
+          </p:nvPr>
+        </p:nvSpPr>
+        <p:spPr/>
+      </p:sp>
+      <p:sp>
+        <p:nvSpPr>
+          <p:cNvPr id="3" name="Notes Placeholder 2"/>
+          <p:cNvSpPr>
+            <a:spLocks noGrp="1"/>
+          </p:cNvSpPr>
+          <p:nvPr>
+            <p:ph type="body" idx="1"/>
+          </p:nvPr>
+        </p:nvSpPr>
+        <p:spPr/>
+        <p:txBody>
+          <a:bodyPr/>
+          <a:lstStyle/>
+          <a:p>
+            <a:endParaRPr lang="nl-NL" dirty="0"/>
+          </a:p>
+        </p:txBody>
+      </p:sp>
+      <p:sp>
+        <p:nvSpPr>
+          <p:cNvPr id="4" name="Slide Number Placeholder 3"/>
+          <p:cNvSpPr>
+            <a:spLocks noGrp="1"/>
+          </p:cNvSpPr>
+          <p:nvPr>
+            <p:ph type="sldNum" sz="quarter" idx="10"/>
+          </p:nvPr>
+        </p:nvSpPr>
+        <p:spPr/>
+        <p:txBody>
+          <a:bodyPr/>
+          <a:lstStyle/>
+          <a:p>
+            <a:fld id="{9957C240-E7CE-4C0C-810B-D6FD17CCF4CA}" type="slidenum">
+              <a:rPr lang="nl-NL" smtClean="0"/>
+              <a:t>9</a:t>
+            </a:fld>
+            <a:endParaRPr lang="nl-NL"/>
+          </a:p>
+        </p:txBody>
+      </p:sp>
+    </p:spTree>
+    <p:extLst>
+      <p:ext uri="{BB962C8B-B14F-4D97-AF65-F5344CB8AC3E}">
+        <p14:creationId xmlns:p14="http://schemas.microsoft.com/office/powerpoint/2010/main" val="2465577946"/>
+      </p:ext>
+    </p:extLst>
+  </p:cSld>
+  <p:clrMapOvr>
+    <a:masterClrMapping/>
+  </p:clrMapOvr>
+</p:notes>
+</file>
+
+<file path=ppt/notesSlides/notesSlide8.xml><?xml version="1.0" encoding="utf-8"?>
+<p:notes xmlns:a="http://schemas.openxmlformats.org/drawingml/2006/main" xmlns:r="http://schemas.openxmlformats.org/officeDocument/2006/relationships" xmlns:p="http://schemas.openxmlformats.org/presentationml/2006/main">
+  <p:cSld>
+    <p:spTree>
+      <p:nvGrpSpPr>
+        <p:cNvPr id="1" name=""/>
+        <p:cNvGrpSpPr/>
+        <p:nvPr/>
+      </p:nvGrpSpPr>
+      <p:grpSpPr>
+        <a:xfrm>
+          <a:off x="0" y="0"/>
+          <a:ext cx="0" cy="0"/>
+          <a:chOff x="0" y="0"/>
+          <a:chExt cx="0" cy="0"/>
+        </a:xfrm>
+      </p:grpSpPr>
+      <p:sp>
+        <p:nvSpPr>
+          <p:cNvPr id="2" name="Slide Image Placeholder 1"/>
+          <p:cNvSpPr>
+            <a:spLocks noGrp="1" noRot="1" noChangeAspect="1"/>
+          </p:cNvSpPr>
+          <p:nvPr>
+            <p:ph type="sldImg"/>
+          </p:nvPr>
+        </p:nvSpPr>
+        <p:spPr/>
+      </p:sp>
+      <p:sp>
+        <p:nvSpPr>
+          <p:cNvPr id="3" name="Notes Placeholder 2"/>
+          <p:cNvSpPr>
+            <a:spLocks noGrp="1"/>
+          </p:cNvSpPr>
+          <p:nvPr>
+            <p:ph type="body" idx="1"/>
+          </p:nvPr>
+        </p:nvSpPr>
+        <p:spPr/>
+        <p:txBody>
+          <a:bodyPr/>
+          <a:lstStyle/>
+          <a:p>
+            <a:endParaRPr lang="nl-NL" dirty="0"/>
+          </a:p>
+        </p:txBody>
+      </p:sp>
+      <p:sp>
+        <p:nvSpPr>
+          <p:cNvPr id="4" name="Slide Number Placeholder 3"/>
+          <p:cNvSpPr>
+            <a:spLocks noGrp="1"/>
+          </p:cNvSpPr>
+          <p:nvPr>
+            <p:ph type="sldNum" sz="quarter" idx="10"/>
+          </p:nvPr>
+        </p:nvSpPr>
+        <p:spPr/>
+        <p:txBody>
+          <a:bodyPr/>
+          <a:lstStyle/>
+          <a:p>
+            <a:fld id="{9957C240-E7CE-4C0C-810B-D6FD17CCF4CA}" type="slidenum">
+              <a:rPr lang="nl-NL" smtClean="0"/>
+              <a:t>10</a:t>
+            </a:fld>
+            <a:endParaRPr lang="nl-NL"/>
+          </a:p>
+        </p:txBody>
+      </p:sp>
+    </p:spTree>
+    <p:extLst>
+      <p:ext uri="{BB962C8B-B14F-4D97-AF65-F5344CB8AC3E}">
+        <p14:creationId xmlns:p14="http://schemas.microsoft.com/office/powerpoint/2010/main" val="1752540451"/>
+      </p:ext>
+    </p:extLst>
+  </p:cSld>
+  <p:clrMapOvr>
+    <a:masterClrMapping/>
+  </p:clrMapOvr>
+</p:notes>
+</file>
+
+<file path=ppt/notesSlides/notesSlide9.xml><?xml version="1.0" encoding="utf-8"?>
+<p:notes xmlns:a="http://schemas.openxmlformats.org/drawingml/2006/main" xmlns:r="http://schemas.openxmlformats.org/officeDocument/2006/relationships" xmlns:p="http://schemas.openxmlformats.org/presentationml/2006/main">
+  <p:cSld>
+    <p:spTree>
+      <p:nvGrpSpPr>
+        <p:cNvPr id="1" name=""/>
+        <p:cNvGrpSpPr/>
+        <p:nvPr/>
+      </p:nvGrpSpPr>
+      <p:grpSpPr>
+        <a:xfrm>
+          <a:off x="0" y="0"/>
+          <a:ext cx="0" cy="0"/>
+          <a:chOff x="0" y="0"/>
+          <a:chExt cx="0" cy="0"/>
+        </a:xfrm>
+      </p:grpSpPr>
+      <p:sp>
+        <p:nvSpPr>
+          <p:cNvPr id="2" name="Slide Image Placeholder 1"/>
+          <p:cNvSpPr>
+            <a:spLocks noGrp="1" noRot="1" noChangeAspect="1"/>
+          </p:cNvSpPr>
+          <p:nvPr>
+            <p:ph type="sldImg"/>
+          </p:nvPr>
+        </p:nvSpPr>
+        <p:spPr/>
+      </p:sp>
+      <p:sp>
+        <p:nvSpPr>
+          <p:cNvPr id="3" name="Notes Placeholder 2"/>
+          <p:cNvSpPr>
+            <a:spLocks noGrp="1"/>
+          </p:cNvSpPr>
+          <p:nvPr>
+            <p:ph type="body" idx="1"/>
+          </p:nvPr>
+        </p:nvSpPr>
+        <p:spPr/>
+        <p:txBody>
+          <a:bodyPr/>
+          <a:lstStyle/>
+          <a:p>
+            <a:endParaRPr lang="nl-NL" dirty="0"/>
+          </a:p>
+        </p:txBody>
+      </p:sp>
+      <p:sp>
+        <p:nvSpPr>
+          <p:cNvPr id="4" name="Slide Number Placeholder 3"/>
+          <p:cNvSpPr>
+            <a:spLocks noGrp="1"/>
+          </p:cNvSpPr>
+          <p:nvPr>
+            <p:ph type="sldNum" sz="quarter" idx="10"/>
+          </p:nvPr>
+        </p:nvSpPr>
+        <p:spPr/>
+        <p:txBody>
+          <a:bodyPr/>
+          <a:lstStyle/>
+          <a:p>
+            <a:fld id="{9957C240-E7CE-4C0C-810B-D6FD17CCF4CA}" type="slidenum">
+              <a:rPr lang="nl-NL" smtClean="0"/>
+              <a:t>11</a:t>
+            </a:fld>
+            <a:endParaRPr lang="nl-NL"/>
+          </a:p>
+        </p:txBody>
+      </p:sp>
+    </p:spTree>
+    <p:extLst>
+      <p:ext uri="{BB962C8B-B14F-4D97-AF65-F5344CB8AC3E}">
+        <p14:creationId xmlns:p14="http://schemas.microsoft.com/office/powerpoint/2010/main" val="15799112"/>
       </p:ext>
     </p:extLst>
   </p:cSld>
@@ -3977,6 +4597,20 @@
 <file path=ppt/slides/slide1.xml><?xml version="1.0" encoding="utf-8"?>
 <p:sld xmlns:a="http://schemas.openxmlformats.org/drawingml/2006/main" xmlns:r="http://schemas.openxmlformats.org/officeDocument/2006/relationships" xmlns:p="http://schemas.openxmlformats.org/presentationml/2006/main">
   <p:cSld>
+    <p:bg>
+      <p:bgPr>
+        <a:blipFill dpi="0" rotWithShape="1">
+          <a:blip r:embed="rId2">
+            <a:lum/>
+          </a:blip>
+          <a:srcRect/>
+          <a:stretch>
+            <a:fillRect t="-17000" b="-17000"/>
+          </a:stretch>
+        </a:blipFill>
+        <a:effectLst/>
+      </p:bgPr>
+    </p:bg>
     <p:spTree>
       <p:nvGrpSpPr>
         <p:cNvPr id="1" name=""/>
@@ -4001,85 +4635,46 @@
             <p:ph type="subTitle" idx="1"/>
           </p:nvPr>
         </p:nvSpPr>
-        <p:spPr/>
-        <p:txBody>
-          <a:bodyPr/>
-          <a:lstStyle/>
-          <a:p>
-            <a:endParaRPr lang="nl-NL" dirty="0"/>
-          </a:p>
-        </p:txBody>
-      </p:sp>
-      <p:sp>
-        <p:nvSpPr>
-          <p:cNvPr id="4" name="Title 3"/>
-          <p:cNvSpPr>
-            <a:spLocks noGrp="1"/>
-          </p:cNvSpPr>
-          <p:nvPr>
-            <p:ph type="ctrTitle"/>
-          </p:nvPr>
-        </p:nvSpPr>
-        <p:spPr/>
-        <p:txBody>
-          <a:bodyPr/>
-          <a:lstStyle/>
-          <a:p>
-            <a:endParaRPr lang="nl-NL"/>
-          </a:p>
-        </p:txBody>
-      </p:sp>
-      <p:pic>
-        <p:nvPicPr>
-          <p:cNvPr id="1028" name="Picture 4" descr="http://heuristieken.nl/wiki/images/5/5c/Amstelhaege_k.jpg"/>
-          <p:cNvPicPr>
-            <a:picLocks noChangeAspect="1" noChangeArrowheads="1"/>
-          </p:cNvPicPr>
-          <p:nvPr/>
-        </p:nvPicPr>
-        <p:blipFill>
-          <a:blip r:embed="rId2">
-            <a:extLst>
-              <a:ext uri="{28A0092B-C50C-407E-A947-70E740481C1C}">
-                <a14:useLocalDpi xmlns:a14="http://schemas.microsoft.com/office/drawing/2010/main" val="0"/>
-              </a:ext>
-            </a:extLst>
-          </a:blip>
-          <a:srcRect/>
-          <a:stretch>
-            <a:fillRect/>
-          </a:stretch>
-        </p:blipFill>
-        <p:spPr bwMode="auto">
-          <a:xfrm>
-            <a:off x="-1" y="-1"/>
-            <a:ext cx="12192001" cy="6862119"/>
-          </a:xfrm>
-          <a:prstGeom prst="rect">
-            <a:avLst/>
-          </a:prstGeom>
-          <a:noFill/>
-          <a:extLst>
-            <a:ext uri="{909E8E84-426E-40DD-AFC4-6F175D3DCCD1}">
-              <a14:hiddenFill xmlns:a14="http://schemas.microsoft.com/office/drawing/2010/main">
-                <a:solidFill>
-                  <a:srgbClr val="FFFFFF"/>
-                </a:solidFill>
-              </a14:hiddenFill>
-            </a:ext>
-          </a:extLst>
-        </p:spPr>
-      </p:pic>
-      <p:sp>
-        <p:nvSpPr>
-          <p:cNvPr id="5" name="TextBox 4"/>
-          <p:cNvSpPr txBox="1"/>
-          <p:nvPr/>
-        </p:nvSpPr>
         <p:spPr>
           <a:xfrm>
-            <a:off x="4333103" y="2654080"/>
-            <a:ext cx="4843849" cy="2123658"/>
+            <a:off x="9664152" y="5427805"/>
+            <a:ext cx="2527848" cy="1430195"/>
+          </a:xfrm>
+        </p:spPr>
+        <p:txBody>
+          <a:bodyPr/>
+          <a:lstStyle/>
+          <a:p>
+            <a:r>
+              <a:rPr lang="nl-NL" dirty="0" smtClean="0"/>
+              <a:t>Stephan Kok</a:t>
+            </a:r>
+          </a:p>
+          <a:p>
+            <a:r>
+              <a:rPr lang="nl-NL" dirty="0" smtClean="0"/>
+              <a:t>Stijn Buiteman</a:t>
+            </a:r>
+          </a:p>
+          <a:p>
+            <a:r>
+              <a:rPr lang="nl-NL" dirty="0" smtClean="0"/>
+              <a:t>Tamme Thijs</a:t>
+            </a:r>
+            <a:endParaRPr lang="nl-NL" dirty="0"/>
+          </a:p>
+        </p:txBody>
+      </p:sp>
+      <p:sp>
+        <p:nvSpPr>
+          <p:cNvPr id="2" name="Rectangle 1"/>
+          <p:cNvSpPr/>
+          <p:nvPr/>
+        </p:nvSpPr>
+        <p:spPr>
+          <a:xfrm>
+            <a:off x="1817322" y="2641600"/>
+            <a:ext cx="8568456" cy="1015663"/>
           </a:xfrm>
           <a:prstGeom prst="rect">
             <a:avLst/>
@@ -4087,39 +4682,93 @@
           <a:noFill/>
         </p:spPr>
         <p:txBody>
-          <a:bodyPr wrap="square" rtlCol="0">
+          <a:bodyPr wrap="square" lIns="91440" tIns="45720" rIns="91440" bIns="45720">
             <a:spAutoFit/>
           </a:bodyPr>
           <a:lstStyle/>
           <a:p>
-            <a:r>
-              <a:rPr lang="nl-NL" sz="4400" b="1" dirty="0" smtClean="0">
-                <a:solidFill>
-                  <a:srgbClr val="FFFF00"/>
-                </a:solidFill>
+            <a:pPr algn="ctr"/>
+            <a:r>
+              <a:rPr lang="en-US" sz="6000" b="0" cap="none" spc="0" dirty="0" smtClean="0">
+                <a:ln w="0"/>
+                <a:gradFill>
+                  <a:gsLst>
+                    <a:gs pos="0">
+                      <a:schemeClr val="accent5">
+                        <a:lumMod val="50000"/>
+                      </a:schemeClr>
+                    </a:gs>
+                    <a:gs pos="50000">
+                      <a:schemeClr val="accent5"/>
+                    </a:gs>
+                    <a:gs pos="100000">
+                      <a:schemeClr val="accent5">
+                        <a:lumMod val="60000"/>
+                        <a:lumOff val="40000"/>
+                      </a:schemeClr>
+                    </a:gs>
+                  </a:gsLst>
+                  <a:lin ang="5400000"/>
+                </a:gradFill>
+                <a:effectLst>
+                  <a:reflection blurRad="6350" stA="53000" endA="300" endPos="35500" dir="5400000" sy="-90000" algn="bl" rotWithShape="0"/>
+                </a:effectLst>
               </a:rPr>
-              <a:t>Stijn Buiteman</a:t>
-            </a:r>
-          </a:p>
-          <a:p>
-            <a:r>
-              <a:rPr lang="nl-NL" sz="4400" b="1" dirty="0" smtClean="0">
-                <a:solidFill>
-                  <a:srgbClr val="FFFF00"/>
-                </a:solidFill>
+              <a:t>Welcome in </a:t>
+            </a:r>
+            <a:r>
+              <a:rPr lang="en-US" sz="6000" b="0" cap="none" spc="0" dirty="0" err="1" smtClean="0">
+                <a:ln w="0"/>
+                <a:gradFill>
+                  <a:gsLst>
+                    <a:gs pos="0">
+                      <a:schemeClr val="accent5">
+                        <a:lumMod val="50000"/>
+                      </a:schemeClr>
+                    </a:gs>
+                    <a:gs pos="50000">
+                      <a:schemeClr val="accent5"/>
+                    </a:gs>
+                    <a:gs pos="100000">
+                      <a:schemeClr val="accent5">
+                        <a:lumMod val="60000"/>
+                        <a:lumOff val="40000"/>
+                      </a:schemeClr>
+                    </a:gs>
+                  </a:gsLst>
+                  <a:lin ang="5400000"/>
+                </a:gradFill>
+                <a:effectLst>
+                  <a:reflection blurRad="6350" stA="53000" endA="300" endPos="35500" dir="5400000" sy="-90000" algn="bl" rotWithShape="0"/>
+                </a:effectLst>
               </a:rPr>
-              <a:t>Stephan Kok</a:t>
-            </a:r>
-          </a:p>
-          <a:p>
-            <a:r>
-              <a:rPr lang="nl-NL" sz="4400" b="1" dirty="0" smtClean="0">
-                <a:solidFill>
-                  <a:srgbClr val="FFFF00"/>
-                </a:solidFill>
-              </a:rPr>
-              <a:t>Tamme Thijs</a:t>
-            </a:r>
+              <a:t>Amstelhaege</a:t>
+            </a:r>
+            <a:endParaRPr lang="en-US" sz="6000" b="0" cap="none" spc="0" dirty="0">
+              <a:ln w="0"/>
+              <a:gradFill>
+                <a:gsLst>
+                  <a:gs pos="0">
+                    <a:schemeClr val="accent5">
+                      <a:lumMod val="50000"/>
+                    </a:schemeClr>
+                  </a:gs>
+                  <a:gs pos="50000">
+                    <a:schemeClr val="accent5"/>
+                  </a:gs>
+                  <a:gs pos="100000">
+                    <a:schemeClr val="accent5">
+                      <a:lumMod val="60000"/>
+                      <a:lumOff val="40000"/>
+                    </a:schemeClr>
+                  </a:gs>
+                </a:gsLst>
+                <a:lin ang="5400000"/>
+              </a:gradFill>
+              <a:effectLst>
+                <a:reflection blurRad="6350" stA="53000" endA="300" endPos="35500" dir="5400000" sy="-90000" algn="bl" rotWithShape="0"/>
+              </a:effectLst>
+            </a:endParaRPr>
           </a:p>
         </p:txBody>
       </p:sp>
@@ -4146,6 +4795,20 @@
 <file path=ppt/slides/slide10.xml><?xml version="1.0" encoding="utf-8"?>
 <p:sld xmlns:a="http://schemas.openxmlformats.org/drawingml/2006/main" xmlns:r="http://schemas.openxmlformats.org/officeDocument/2006/relationships" xmlns:p="http://schemas.openxmlformats.org/presentationml/2006/main">
   <p:cSld>
+    <p:bg>
+      <p:bgPr>
+        <a:blipFill dpi="0" rotWithShape="1">
+          <a:blip r:embed="rId3">
+            <a:lum/>
+          </a:blip>
+          <a:srcRect/>
+          <a:stretch>
+            <a:fillRect t="-17000" b="-17000"/>
+          </a:stretch>
+        </a:blipFill>
+        <a:effectLst/>
+      </p:bgPr>
+    </p:bg>
     <p:spTree>
       <p:nvGrpSpPr>
         <p:cNvPr id="1" name=""/>
@@ -4184,8 +4847,12 @@
               <a:t> </a:t>
             </a:r>
             <a:r>
+              <a:rPr lang="nl-NL" dirty="0" err="1"/>
+              <a:t>A</a:t>
+            </a:r>
+            <a:r>
               <a:rPr lang="nl-NL" dirty="0" err="1" smtClean="0"/>
-              <a:t>annealing</a:t>
+              <a:t>nnealing</a:t>
             </a:r>
             <a:endParaRPr lang="nl-NL" dirty="0"/>
           </a:p>
@@ -4201,7 +4868,12 @@
             <p:ph idx="1"/>
           </p:nvPr>
         </p:nvSpPr>
-        <p:spPr/>
+        <p:spPr>
+          <a:xfrm>
+            <a:off x="838200" y="1825625"/>
+            <a:ext cx="4761089" cy="4351338"/>
+          </a:xfrm>
+        </p:spPr>
         <p:txBody>
           <a:bodyPr>
             <a:normAutofit/>
@@ -4210,35 +4882,22 @@
           <a:p>
             <a:r>
               <a:rPr lang="nl-NL" dirty="0" smtClean="0"/>
-              <a:t>Niet convex; meerdere oplossingen</a:t>
-            </a:r>
-          </a:p>
-          <a:p>
+              <a:t>Vergelijkbaar met Hill </a:t>
+            </a:r>
+            <a:r>
+              <a:rPr lang="nl-NL" dirty="0" err="1" smtClean="0"/>
+              <a:t>Climber</a:t>
+            </a:r>
             <a:endParaRPr lang="nl-NL" dirty="0"/>
           </a:p>
           <a:p>
             <a:r>
               <a:rPr lang="nl-NL" dirty="0" smtClean="0"/>
-              <a:t>Vergelijkbaar met </a:t>
-            </a:r>
-            <a:r>
-              <a:rPr lang="nl-NL" dirty="0" err="1" smtClean="0"/>
-              <a:t>hill</a:t>
+              <a:t>Accepteert </a:t>
             </a:r>
             <a:r>
               <a:rPr lang="nl-NL" dirty="0" smtClean="0"/>
-              <a:t> </a:t>
-            </a:r>
-            <a:r>
-              <a:rPr lang="nl-NL" dirty="0" err="1" smtClean="0"/>
-              <a:t>climbing</a:t>
-            </a:r>
-            <a:endParaRPr lang="nl-NL" dirty="0" smtClean="0"/>
-          </a:p>
-          <a:p>
-            <a:r>
-              <a:rPr lang="nl-NL" dirty="0" smtClean="0"/>
-              <a:t>Maar accepteert ook verslechtering</a:t>
+              <a:t>ook verslechtering</a:t>
             </a:r>
           </a:p>
           <a:p>
@@ -4259,11 +4918,57 @@
             <a:pPr lvl="2"/>
             <a:r>
               <a:rPr lang="nl-NL" dirty="0" smtClean="0"/>
-              <a:t>Gesimuleerd door daling temperatuur na elke sprong</a:t>
-            </a:r>
-          </a:p>
-        </p:txBody>
-      </p:sp>
+              <a:t>Gesimuleerd door daling </a:t>
+            </a:r>
+            <a:r>
+              <a:rPr lang="nl-NL" dirty="0" smtClean="0"/>
+              <a:t>temperatuur </a:t>
+            </a:r>
+            <a:r>
+              <a:rPr lang="nl-NL" dirty="0" smtClean="0"/>
+              <a:t>na elke </a:t>
+            </a:r>
+            <a:r>
+              <a:rPr lang="nl-NL" dirty="0" smtClean="0"/>
+              <a:t>sprong</a:t>
+            </a:r>
+          </a:p>
+          <a:p>
+            <a:endParaRPr lang="nl-NL" dirty="0" smtClean="0"/>
+          </a:p>
+          <a:p>
+            <a:r>
+              <a:rPr lang="nl-NL" dirty="0" smtClean="0"/>
+              <a:t>Dus vindt globale maxima</a:t>
+            </a:r>
+            <a:endParaRPr lang="nl-NL" dirty="0" smtClean="0"/>
+          </a:p>
+        </p:txBody>
+      </p:sp>
+      <p:pic>
+        <p:nvPicPr>
+          <p:cNvPr id="5" name="Picture 4"/>
+          <p:cNvPicPr>
+            <a:picLocks noChangeAspect="1"/>
+          </p:cNvPicPr>
+          <p:nvPr/>
+        </p:nvPicPr>
+        <p:blipFill>
+          <a:blip r:embed="rId4"/>
+          <a:stretch>
+            <a:fillRect/>
+          </a:stretch>
+        </p:blipFill>
+        <p:spPr>
+          <a:xfrm>
+            <a:off x="5583979" y="1196623"/>
+            <a:ext cx="6245541" cy="3603448"/>
+          </a:xfrm>
+          <a:prstGeom prst="rect">
+            <a:avLst/>
+          </a:prstGeom>
+        </p:spPr>
+      </p:pic>
     </p:spTree>
     <p:extLst>
       <p:ext uri="{BB962C8B-B14F-4D97-AF65-F5344CB8AC3E}">
@@ -4287,6 +4992,20 @@
 <file path=ppt/slides/slide11.xml><?xml version="1.0" encoding="utf-8"?>
 <p:sld xmlns:a="http://schemas.openxmlformats.org/drawingml/2006/main" xmlns:r="http://schemas.openxmlformats.org/officeDocument/2006/relationships" xmlns:p="http://schemas.openxmlformats.org/presentationml/2006/main">
   <p:cSld>
+    <p:bg>
+      <p:bgPr>
+        <a:blipFill dpi="0" rotWithShape="1">
+          <a:blip r:embed="rId3">
+            <a:lum/>
+          </a:blip>
+          <a:srcRect/>
+          <a:stretch>
+            <a:fillRect t="-17000" b="-17000"/>
+          </a:stretch>
+        </a:blipFill>
+        <a:effectLst/>
+      </p:bgPr>
+    </p:bg>
     <p:spTree>
       <p:nvGrpSpPr>
         <p:cNvPr id="1" name=""/>
@@ -4301,149 +5020,30 @@
           <a:chExt cx="0" cy="0"/>
         </a:xfrm>
       </p:grpSpPr>
-      <p:sp>
-        <p:nvSpPr>
-          <p:cNvPr id="2" name="Titel 1"/>
-          <p:cNvSpPr>
-            <a:spLocks noGrp="1"/>
-          </p:cNvSpPr>
-          <p:nvPr>
-            <p:ph type="title"/>
-          </p:nvPr>
-        </p:nvSpPr>
-        <p:spPr/>
-        <p:txBody>
-          <a:bodyPr/>
-          <a:lstStyle/>
-          <a:p>
-            <a:r>
-              <a:rPr lang="en-GB" dirty="0" err="1" smtClean="0"/>
-              <a:t>Voorbeeld</a:t>
-            </a:r>
-            <a:endParaRPr lang="en-GB" dirty="0"/>
-          </a:p>
-        </p:txBody>
-      </p:sp>
-      <p:sp>
-        <p:nvSpPr>
-          <p:cNvPr id="3" name="Tijdelijke aanduiding voor inhoud 2"/>
-          <p:cNvSpPr>
-            <a:spLocks noGrp="1"/>
-          </p:cNvSpPr>
-          <p:nvPr>
-            <p:ph idx="1"/>
-          </p:nvPr>
-        </p:nvSpPr>
-        <p:spPr/>
-        <p:txBody>
-          <a:bodyPr/>
-          <a:lstStyle/>
-          <a:p>
-            <a:endParaRPr lang="en-GB" dirty="0"/>
-          </a:p>
-        </p:txBody>
-      </p:sp>
       <p:pic>
         <p:nvPicPr>
-          <p:cNvPr id="1026" name="Picture 2"/>
+          <p:cNvPr id="6" name="Picture 5"/>
           <p:cNvPicPr>
-            <a:picLocks noChangeAspect="1" noChangeArrowheads="1"/>
+            <a:picLocks noChangeAspect="1"/>
           </p:cNvPicPr>
           <p:nvPr/>
         </p:nvPicPr>
         <p:blipFill>
-          <a:blip r:embed="rId2">
-            <a:extLst>
-              <a:ext uri="{28A0092B-C50C-407E-A947-70E740481C1C}">
-                <a14:useLocalDpi xmlns:a14="http://schemas.microsoft.com/office/drawing/2010/main" val="0"/>
-              </a:ext>
-            </a:extLst>
-          </a:blip>
-          <a:srcRect/>
+          <a:blip r:embed="rId4"/>
           <a:stretch>
             <a:fillRect/>
           </a:stretch>
         </p:blipFill>
-        <p:spPr bwMode="auto">
-          <a:xfrm>
-            <a:off x="2915857" y="1706384"/>
-            <a:ext cx="6076950" cy="3419475"/>
+        <p:spPr>
+          <a:xfrm rot="16200000">
+            <a:off x="5365751" y="3338159"/>
+            <a:ext cx="1257300" cy="542925"/>
           </a:xfrm>
           <a:prstGeom prst="rect">
             <a:avLst/>
           </a:prstGeom>
-          <a:noFill/>
-          <a:ln>
-            <a:noFill/>
-          </a:ln>
-          <a:effectLst/>
-          <a:extLst>
-            <a:ext uri="{909E8E84-426E-40DD-AFC4-6F175D3DCCD1}">
-              <a14:hiddenFill xmlns:a14="http://schemas.microsoft.com/office/drawing/2010/main">
-                <a:solidFill>
-                  <a:schemeClr val="accent1"/>
-                </a:solidFill>
-              </a14:hiddenFill>
-            </a:ext>
-            <a:ext uri="{91240B29-F687-4F45-9708-019B960494DF}">
-              <a14:hiddenLine xmlns:a14="http://schemas.microsoft.com/office/drawing/2010/main" w="9525">
-                <a:solidFill>
-                  <a:schemeClr val="tx1"/>
-                </a:solidFill>
-                <a:miter lim="800000"/>
-                <a:headEnd/>
-                <a:tailEnd/>
-              </a14:hiddenLine>
-            </a:ext>
-            <a:ext uri="{AF507438-7753-43E0-B8FC-AC1667EBCBE1}">
-              <a14:hiddenEffects xmlns:a14="http://schemas.microsoft.com/office/drawing/2010/main">
-                <a:effectLst>
-                  <a:outerShdw dist="35921" dir="2700000" algn="ctr" rotWithShape="0">
-                    <a:schemeClr val="bg2"/>
-                  </a:outerShdw>
-                </a:effectLst>
-              </a14:hiddenEffects>
-            </a:ext>
-          </a:extLst>
         </p:spPr>
       </p:pic>
-    </p:spTree>
-    <p:extLst>
-      <p:ext uri="{BB962C8B-B14F-4D97-AF65-F5344CB8AC3E}">
-        <p14:creationId xmlns:p14="http://schemas.microsoft.com/office/powerpoint/2010/main" val="809094265"/>
-      </p:ext>
-    </p:extLst>
-  </p:cSld>
-  <p:clrMapOvr>
-    <a:masterClrMapping/>
-  </p:clrMapOvr>
-  <p:timing>
-    <p:tnLst>
-      <p:par>
-        <p:cTn id="1" dur="indefinite" restart="never" nodeType="tmRoot"/>
-      </p:par>
-    </p:tnLst>
-  </p:timing>
-</p:sld>
-</file>
-
-<file path=ppt/slides/slide12.xml><?xml version="1.0" encoding="utf-8"?>
-<p:sld xmlns:a="http://schemas.openxmlformats.org/drawingml/2006/main" xmlns:r="http://schemas.openxmlformats.org/officeDocument/2006/relationships" xmlns:p="http://schemas.openxmlformats.org/presentationml/2006/main">
-  <p:cSld>
-    <p:spTree>
-      <p:nvGrpSpPr>
-        <p:cNvPr id="1" name=""/>
-        <p:cNvGrpSpPr/>
-        <p:nvPr/>
-      </p:nvGrpSpPr>
-      <p:grpSpPr>
-        <a:xfrm>
-          <a:off x="0" y="0"/>
-          <a:ext cx="0" cy="0"/>
-          <a:chOff x="0" y="0"/>
-          <a:chExt cx="0" cy="0"/>
-        </a:xfrm>
-      </p:grpSpPr>
       <p:sp>
         <p:nvSpPr>
           <p:cNvPr id="2" name="Title 1"/>
@@ -4456,13 +5056,31 @@
         </p:nvSpPr>
         <p:spPr/>
         <p:txBody>
-          <a:bodyPr/>
+          <a:bodyPr>
+            <a:normAutofit/>
+          </a:bodyPr>
           <a:lstStyle/>
           <a:p>
             <a:r>
               <a:rPr lang="nl-NL" dirty="0"/>
-              <a:t>Resultaten &amp; discussie</a:t>
-            </a:r>
+              <a:t>Resultaten &amp; </a:t>
+            </a:r>
+            <a:r>
+              <a:rPr lang="nl-NL" dirty="0"/>
+              <a:t>discussie</a:t>
+            </a:r>
+            <a:br>
+              <a:rPr lang="nl-NL" dirty="0"/>
+            </a:br>
+            <a:r>
+              <a:rPr lang="nl-NL" sz="3200" dirty="0"/>
+              <a:t>Random </a:t>
+            </a:r>
+            <a:r>
+              <a:rPr lang="nl-NL" sz="3200" dirty="0" smtClean="0"/>
+              <a:t>sampling</a:t>
+            </a:r>
+            <a:endParaRPr lang="nl-NL" sz="3200" dirty="0"/>
           </a:p>
         </p:txBody>
       </p:sp>
@@ -4476,19 +5094,92 @@
             <p:ph idx="1"/>
           </p:nvPr>
         </p:nvSpPr>
-        <p:spPr/>
-        <p:txBody>
-          <a:bodyPr/>
-          <a:lstStyle/>
-          <a:p>
+        <p:spPr>
+          <a:xfrm>
+            <a:off x="838200" y="1825625"/>
+            <a:ext cx="4207933" cy="4351338"/>
+          </a:xfrm>
+        </p:spPr>
+        <p:txBody>
+          <a:bodyPr/>
+          <a:lstStyle/>
+          <a:p>
+            <a:r>
+              <a:rPr lang="nl-NL" dirty="0" err="1" smtClean="0"/>
+              <a:t>Gaussian</a:t>
+            </a:r>
             <a:r>
               <a:rPr lang="nl-NL" dirty="0" smtClean="0"/>
-              <a:t>Random sampling</a:t>
-            </a:r>
+              <a:t> distributie voor state </a:t>
+            </a:r>
+            <a:r>
+              <a:rPr lang="nl-NL" dirty="0" err="1" smtClean="0"/>
+              <a:t>space</a:t>
+            </a:r>
+            <a:endParaRPr lang="nl-NL" dirty="0" smtClean="0"/>
+          </a:p>
+          <a:p>
+            <a:r>
+              <a:rPr lang="nl-NL" dirty="0" smtClean="0"/>
+              <a:t>Duurt ~3 uur</a:t>
+            </a:r>
+            <a:endParaRPr lang="nl-NL" dirty="0" smtClean="0"/>
+          </a:p>
+          <a:p>
             <a:endParaRPr lang="nl-NL" dirty="0"/>
           </a:p>
-        </p:txBody>
-      </p:sp>
+          <a:p>
+            <a:r>
+              <a:rPr lang="nl-NL" dirty="0" smtClean="0"/>
+              <a:t>Max 65 </a:t>
+            </a:r>
+            <a:r>
+              <a:rPr lang="nl-NL" dirty="0" err="1" smtClean="0"/>
+              <a:t>mil</a:t>
+            </a:r>
+            <a:endParaRPr lang="nl-NL" dirty="0" smtClean="0"/>
+          </a:p>
+          <a:p>
+            <a:r>
+              <a:rPr lang="nl-NL" dirty="0" err="1" smtClean="0"/>
+              <a:t>Mean</a:t>
+            </a:r>
+            <a:r>
+              <a:rPr lang="nl-NL" dirty="0" smtClean="0"/>
+              <a:t> 45 </a:t>
+            </a:r>
+            <a:r>
+              <a:rPr lang="nl-NL" dirty="0" err="1" smtClean="0"/>
+              <a:t>mil</a:t>
+            </a:r>
+            <a:endParaRPr lang="nl-NL" dirty="0" smtClean="0"/>
+          </a:p>
+        </p:txBody>
+      </p:sp>
+      <p:pic>
+        <p:nvPicPr>
+          <p:cNvPr id="5" name="Picture 4"/>
+          <p:cNvPicPr>
+            <a:picLocks noChangeAspect="1"/>
+          </p:cNvPicPr>
+          <p:nvPr/>
+        </p:nvPicPr>
+        <p:blipFill>
+          <a:blip r:embed="rId5"/>
+          <a:stretch>
+            <a:fillRect/>
+          </a:stretch>
+        </p:blipFill>
+        <p:spPr>
+          <a:xfrm>
+            <a:off x="6115050" y="1981818"/>
+            <a:ext cx="5825067" cy="3880905"/>
+          </a:xfrm>
+          <a:prstGeom prst="rect">
+            <a:avLst/>
+          </a:prstGeom>
+        </p:spPr>
+      </p:pic>
     </p:spTree>
     <p:extLst>
       <p:ext uri="{BB962C8B-B14F-4D97-AF65-F5344CB8AC3E}">
@@ -4509,9 +5200,23 @@
 </p:sld>
 </file>
 
-<file path=ppt/slides/slide13.xml><?xml version="1.0" encoding="utf-8"?>
+<file path=ppt/slides/slide12.xml><?xml version="1.0" encoding="utf-8"?>
 <p:sld xmlns:a="http://schemas.openxmlformats.org/drawingml/2006/main" xmlns:r="http://schemas.openxmlformats.org/officeDocument/2006/relationships" xmlns:p="http://schemas.openxmlformats.org/presentationml/2006/main">
   <p:cSld>
+    <p:bg>
+      <p:bgPr>
+        <a:blipFill dpi="0" rotWithShape="1">
+          <a:blip r:embed="rId3">
+            <a:lum/>
+          </a:blip>
+          <a:srcRect/>
+          <a:stretch>
+            <a:fillRect t="-17000" b="-17000"/>
+          </a:stretch>
+        </a:blipFill>
+        <a:effectLst/>
+      </p:bgPr>
+    </p:bg>
     <p:spTree>
       <p:nvGrpSpPr>
         <p:cNvPr id="1" name=""/>
@@ -4538,13 +5243,31 @@
         </p:nvSpPr>
         <p:spPr/>
         <p:txBody>
-          <a:bodyPr/>
+          <a:bodyPr>
+            <a:normAutofit/>
+          </a:bodyPr>
           <a:lstStyle/>
           <a:p>
             <a:r>
               <a:rPr lang="nl-NL" dirty="0"/>
-              <a:t>Resultaten &amp; discussie</a:t>
-            </a:r>
+              <a:t>Resultaten &amp; </a:t>
+            </a:r>
+            <a:r>
+              <a:rPr lang="nl-NL" dirty="0"/>
+              <a:t>discussie</a:t>
+            </a:r>
+            <a:br>
+              <a:rPr lang="nl-NL" dirty="0"/>
+            </a:br>
+            <a:r>
+              <a:rPr lang="nl-NL" sz="3200" dirty="0"/>
+              <a:t>Hill </a:t>
+            </a:r>
+            <a:r>
+              <a:rPr lang="nl-NL" sz="3200" dirty="0" err="1" smtClean="0"/>
+              <a:t>Climber</a:t>
+            </a:r>
+            <a:endParaRPr lang="nl-NL" sz="4000" dirty="0"/>
           </a:p>
         </p:txBody>
       </p:sp>
@@ -4565,18 +5288,25 @@
           <a:p>
             <a:r>
               <a:rPr lang="nl-NL" dirty="0" smtClean="0"/>
-              <a:t>Hill </a:t>
+              <a:t>Duurt </a:t>
+            </a:r>
+            <a:r>
+              <a:rPr lang="nl-NL" dirty="0"/>
+              <a:t>~</a:t>
+            </a:r>
+            <a:r>
+              <a:rPr lang="nl-NL" dirty="0" smtClean="0"/>
+              <a:t>10 min</a:t>
+            </a:r>
+          </a:p>
+          <a:p>
+            <a:r>
+              <a:rPr lang="nl-NL" dirty="0" smtClean="0"/>
+              <a:t>Max 107 </a:t>
             </a:r>
             <a:r>
               <a:rPr lang="nl-NL" dirty="0" err="1" smtClean="0"/>
-              <a:t>climber</a:t>
-            </a:r>
-            <a:endParaRPr lang="nl-NL" dirty="0" smtClean="0"/>
-          </a:p>
-          <a:p>
-            <a:r>
-              <a:rPr lang="nl-NL" smtClean="0"/>
-              <a:t>Duurt 1 min</a:t>
+              <a:t>mil</a:t>
             </a:r>
             <a:endParaRPr lang="nl-NL" dirty="0"/>
           </a:p>
@@ -4591,7 +5321,7 @@
           <p:nvPr/>
         </p:nvPicPr>
         <p:blipFill>
-          <a:blip r:embed="rId3"/>
+          <a:blip r:embed="rId4"/>
           <a:stretch>
             <a:fillRect/>
           </a:stretch>
@@ -4615,7 +5345,7 @@
           <p:nvPr/>
         </p:nvPicPr>
         <p:blipFill>
-          <a:blip r:embed="rId4" cstate="print">
+          <a:blip r:embed="rId5" cstate="print">
             <a:extLst>
               <a:ext uri="{28A0092B-C50C-407E-A947-70E740481C1C}">
                 <a14:useLocalDpi xmlns:a14="http://schemas.microsoft.com/office/drawing/2010/main" val="0"/>
@@ -4628,7 +5358,7 @@
         </p:blipFill>
         <p:spPr>
           <a:xfrm>
-            <a:off x="0" y="3104444"/>
+            <a:off x="146755" y="3477824"/>
             <a:ext cx="6743493" cy="3380176"/>
           </a:xfrm>
           <a:prstGeom prst="rect">
@@ -4656,9 +5386,23 @@
 </p:sld>
 </file>
 
-<file path=ppt/slides/slide2.xml><?xml version="1.0" encoding="utf-8"?>
+<file path=ppt/slides/slide13.xml><?xml version="1.0" encoding="utf-8"?>
 <p:sld xmlns:a="http://schemas.openxmlformats.org/drawingml/2006/main" xmlns:r="http://schemas.openxmlformats.org/officeDocument/2006/relationships" xmlns:p="http://schemas.openxmlformats.org/presentationml/2006/main">
   <p:cSld>
+    <p:bg>
+      <p:bgPr>
+        <a:blipFill dpi="0" rotWithShape="1">
+          <a:blip r:embed="rId3">
+            <a:lum/>
+          </a:blip>
+          <a:srcRect/>
+          <a:stretch>
+            <a:fillRect t="-17000" b="-17000"/>
+          </a:stretch>
+        </a:blipFill>
+        <a:effectLst/>
+      </p:bgPr>
+    </p:bg>
     <p:spTree>
       <p:nvGrpSpPr>
         <p:cNvPr id="1" name=""/>
@@ -4675,6 +5419,354 @@
       </p:grpSpPr>
       <p:sp>
         <p:nvSpPr>
+          <p:cNvPr id="6" name="Content Placeholder 5"/>
+          <p:cNvSpPr>
+            <a:spLocks noGrp="1"/>
+          </p:cNvSpPr>
+          <p:nvPr>
+            <p:ph idx="1"/>
+          </p:nvPr>
+        </p:nvSpPr>
+        <p:spPr/>
+        <p:txBody>
+          <a:bodyPr/>
+          <a:lstStyle/>
+          <a:p>
+            <a:endParaRPr lang="nl-NL"/>
+          </a:p>
+        </p:txBody>
+      </p:sp>
+      <p:sp>
+        <p:nvSpPr>
+          <p:cNvPr id="8" name="Title 1"/>
+          <p:cNvSpPr>
+            <a:spLocks noGrp="1"/>
+          </p:cNvSpPr>
+          <p:nvPr>
+            <p:ph type="title"/>
+          </p:nvPr>
+        </p:nvSpPr>
+        <p:spPr>
+          <a:xfrm>
+            <a:off x="838200" y="365125"/>
+            <a:ext cx="10515600" cy="1325563"/>
+          </a:xfrm>
+        </p:spPr>
+        <p:txBody>
+          <a:bodyPr>
+            <a:normAutofit/>
+          </a:bodyPr>
+          <a:lstStyle/>
+          <a:p>
+            <a:r>
+              <a:rPr lang="nl-NL" dirty="0"/>
+              <a:t>Resultaten &amp; </a:t>
+            </a:r>
+            <a:r>
+              <a:rPr lang="nl-NL" dirty="0"/>
+              <a:t>discussie</a:t>
+            </a:r>
+            <a:br>
+              <a:rPr lang="nl-NL" dirty="0"/>
+            </a:br>
+            <a:r>
+              <a:rPr lang="nl-NL" sz="3200" dirty="0" err="1" smtClean="0"/>
+              <a:t>Simulated</a:t>
+            </a:r>
+            <a:r>
+              <a:rPr lang="nl-NL" sz="3200" dirty="0" smtClean="0"/>
+              <a:t> </a:t>
+            </a:r>
+            <a:r>
+              <a:rPr lang="nl-NL" sz="3200" dirty="0" err="1" smtClean="0"/>
+              <a:t>Annealing</a:t>
+            </a:r>
+            <a:endParaRPr lang="nl-NL" sz="4000" dirty="0"/>
+          </a:p>
+        </p:txBody>
+      </p:sp>
+    </p:spTree>
+    <p:extLst>
+      <p:ext uri="{BB962C8B-B14F-4D97-AF65-F5344CB8AC3E}">
+        <p14:creationId xmlns:p14="http://schemas.microsoft.com/office/powerpoint/2010/main" val="71985764"/>
+      </p:ext>
+    </p:extLst>
+  </p:cSld>
+  <p:clrMapOvr>
+    <a:masterClrMapping/>
+  </p:clrMapOvr>
+  <p:timing>
+    <p:tnLst>
+      <p:par>
+        <p:cTn id="1" dur="indefinite" restart="never" nodeType="tmRoot"/>
+      </p:par>
+    </p:tnLst>
+  </p:timing>
+</p:sld>
+</file>
+
+<file path=ppt/slides/slide14.xml><?xml version="1.0" encoding="utf-8"?>
+<p:sld xmlns:a="http://schemas.openxmlformats.org/drawingml/2006/main" xmlns:r="http://schemas.openxmlformats.org/officeDocument/2006/relationships" xmlns:p="http://schemas.openxmlformats.org/presentationml/2006/main">
+  <p:cSld>
+    <p:bg>
+      <p:bgPr>
+        <a:blipFill dpi="0" rotWithShape="1">
+          <a:blip r:embed="rId3">
+            <a:lum/>
+          </a:blip>
+          <a:srcRect/>
+          <a:stretch>
+            <a:fillRect t="-17000" b="-17000"/>
+          </a:stretch>
+        </a:blipFill>
+        <a:effectLst/>
+      </p:bgPr>
+    </p:bg>
+    <p:spTree>
+      <p:nvGrpSpPr>
+        <p:cNvPr id="1" name=""/>
+        <p:cNvGrpSpPr/>
+        <p:nvPr/>
+      </p:nvGrpSpPr>
+      <p:grpSpPr>
+        <a:xfrm>
+          <a:off x="0" y="0"/>
+          <a:ext cx="0" cy="0"/>
+          <a:chOff x="0" y="0"/>
+          <a:chExt cx="0" cy="0"/>
+        </a:xfrm>
+      </p:grpSpPr>
+      <p:sp>
+        <p:nvSpPr>
+          <p:cNvPr id="6" name="Content Placeholder 5"/>
+          <p:cNvSpPr>
+            <a:spLocks noGrp="1"/>
+          </p:cNvSpPr>
+          <p:nvPr>
+            <p:ph idx="1"/>
+          </p:nvPr>
+        </p:nvSpPr>
+        <p:spPr/>
+        <p:txBody>
+          <a:bodyPr/>
+          <a:lstStyle/>
+          <a:p>
+            <a:r>
+              <a:rPr lang="nl-NL" dirty="0" smtClean="0"/>
+              <a:t>20, 40 of 60 huizen?</a:t>
+            </a:r>
+          </a:p>
+          <a:p>
+            <a:endParaRPr lang="nl-NL" dirty="0"/>
+          </a:p>
+          <a:p>
+            <a:r>
+              <a:rPr lang="nl-NL" dirty="0" smtClean="0"/>
+              <a:t>Voor </a:t>
+            </a:r>
+            <a:r>
+              <a:rPr lang="nl-NL" dirty="0" err="1" smtClean="0"/>
+              <a:t>vrijstand</a:t>
+            </a:r>
+            <a:r>
+              <a:rPr lang="nl-NL" dirty="0" smtClean="0"/>
+              <a:t> en voor </a:t>
+            </a:r>
+            <a:r>
+              <a:rPr lang="nl-NL" dirty="0" err="1" smtClean="0"/>
+              <a:t>value</a:t>
+            </a:r>
+            <a:endParaRPr lang="nl-NL" dirty="0"/>
+          </a:p>
+        </p:txBody>
+      </p:sp>
+      <p:sp>
+        <p:nvSpPr>
+          <p:cNvPr id="8" name="Title 1"/>
+          <p:cNvSpPr>
+            <a:spLocks noGrp="1"/>
+          </p:cNvSpPr>
+          <p:nvPr>
+            <p:ph type="title"/>
+          </p:nvPr>
+        </p:nvSpPr>
+        <p:spPr>
+          <a:xfrm>
+            <a:off x="838200" y="365125"/>
+            <a:ext cx="10515600" cy="1325563"/>
+          </a:xfrm>
+        </p:spPr>
+        <p:txBody>
+          <a:bodyPr>
+            <a:normAutofit/>
+          </a:bodyPr>
+          <a:lstStyle/>
+          <a:p>
+            <a:r>
+              <a:rPr lang="nl-NL" dirty="0"/>
+              <a:t>Resultaten &amp; discussie</a:t>
+            </a:r>
+            <a:endParaRPr lang="nl-NL" sz="4000" dirty="0"/>
+          </a:p>
+        </p:txBody>
+      </p:sp>
+    </p:spTree>
+    <p:extLst>
+      <p:ext uri="{BB962C8B-B14F-4D97-AF65-F5344CB8AC3E}">
+        <p14:creationId xmlns:p14="http://schemas.microsoft.com/office/powerpoint/2010/main" val="1017610520"/>
+      </p:ext>
+    </p:extLst>
+  </p:cSld>
+  <p:clrMapOvr>
+    <a:masterClrMapping/>
+  </p:clrMapOvr>
+  <p:timing>
+    <p:tnLst>
+      <p:par>
+        <p:cTn id="1" dur="indefinite" restart="never" nodeType="tmRoot"/>
+      </p:par>
+    </p:tnLst>
+  </p:timing>
+</p:sld>
+</file>
+
+<file path=ppt/slides/slide15.xml><?xml version="1.0" encoding="utf-8"?>
+<p:sld xmlns:a="http://schemas.openxmlformats.org/drawingml/2006/main" xmlns:r="http://schemas.openxmlformats.org/officeDocument/2006/relationships" xmlns:p="http://schemas.openxmlformats.org/presentationml/2006/main">
+  <p:cSld>
+    <p:bg>
+      <p:bgPr>
+        <a:blipFill dpi="0" rotWithShape="1">
+          <a:blip r:embed="rId3">
+            <a:lum/>
+          </a:blip>
+          <a:srcRect/>
+          <a:stretch>
+            <a:fillRect t="-17000" b="-17000"/>
+          </a:stretch>
+        </a:blipFill>
+        <a:effectLst/>
+      </p:bgPr>
+    </p:bg>
+    <p:spTree>
+      <p:nvGrpSpPr>
+        <p:cNvPr id="1" name=""/>
+        <p:cNvGrpSpPr/>
+        <p:nvPr/>
+      </p:nvGrpSpPr>
+      <p:grpSpPr>
+        <a:xfrm>
+          <a:off x="0" y="0"/>
+          <a:ext cx="0" cy="0"/>
+          <a:chOff x="0" y="0"/>
+          <a:chExt cx="0" cy="0"/>
+        </a:xfrm>
+      </p:grpSpPr>
+      <p:sp>
+        <p:nvSpPr>
+          <p:cNvPr id="6" name="Content Placeholder 5"/>
+          <p:cNvSpPr>
+            <a:spLocks noGrp="1"/>
+          </p:cNvSpPr>
+          <p:nvPr>
+            <p:ph idx="1"/>
+          </p:nvPr>
+        </p:nvSpPr>
+        <p:spPr/>
+        <p:txBody>
+          <a:bodyPr/>
+          <a:lstStyle/>
+          <a:p>
+            <a:r>
+              <a:rPr lang="nl-NL" dirty="0" smtClean="0"/>
+              <a:t>Het beste is dus…</a:t>
+            </a:r>
+            <a:endParaRPr lang="nl-NL" dirty="0"/>
+          </a:p>
+        </p:txBody>
+      </p:sp>
+      <p:sp>
+        <p:nvSpPr>
+          <p:cNvPr id="8" name="Title 1"/>
+          <p:cNvSpPr>
+            <a:spLocks noGrp="1"/>
+          </p:cNvSpPr>
+          <p:nvPr>
+            <p:ph type="title"/>
+          </p:nvPr>
+        </p:nvSpPr>
+        <p:spPr>
+          <a:xfrm>
+            <a:off x="838200" y="365125"/>
+            <a:ext cx="10515600" cy="1325563"/>
+          </a:xfrm>
+        </p:spPr>
+        <p:txBody>
+          <a:bodyPr>
+            <a:normAutofit/>
+          </a:bodyPr>
+          <a:lstStyle/>
+          <a:p>
+            <a:r>
+              <a:rPr lang="nl-NL" dirty="0" smtClean="0"/>
+              <a:t>Conclusie</a:t>
+            </a:r>
+            <a:endParaRPr lang="nl-NL" sz="4000" dirty="0"/>
+          </a:p>
+        </p:txBody>
+      </p:sp>
+    </p:spTree>
+    <p:extLst>
+      <p:ext uri="{BB962C8B-B14F-4D97-AF65-F5344CB8AC3E}">
+        <p14:creationId xmlns:p14="http://schemas.microsoft.com/office/powerpoint/2010/main" val="975407191"/>
+      </p:ext>
+    </p:extLst>
+  </p:cSld>
+  <p:clrMapOvr>
+    <a:masterClrMapping/>
+  </p:clrMapOvr>
+  <p:timing>
+    <p:tnLst>
+      <p:par>
+        <p:cTn id="1" dur="indefinite" restart="never" nodeType="tmRoot"/>
+      </p:par>
+    </p:tnLst>
+  </p:timing>
+</p:sld>
+</file>
+
+<file path=ppt/slides/slide2.xml><?xml version="1.0" encoding="utf-8"?>
+<p:sld xmlns:a="http://schemas.openxmlformats.org/drawingml/2006/main" xmlns:r="http://schemas.openxmlformats.org/officeDocument/2006/relationships" xmlns:p="http://schemas.openxmlformats.org/presentationml/2006/main">
+  <p:cSld>
+    <p:bg>
+      <p:bgPr>
+        <a:blipFill dpi="0" rotWithShape="1">
+          <a:blip r:embed="rId2">
+            <a:lum/>
+          </a:blip>
+          <a:srcRect/>
+          <a:stretch>
+            <a:fillRect t="-17000" b="-17000"/>
+          </a:stretch>
+        </a:blipFill>
+        <a:effectLst/>
+      </p:bgPr>
+    </p:bg>
+    <p:spTree>
+      <p:nvGrpSpPr>
+        <p:cNvPr id="1" name=""/>
+        <p:cNvGrpSpPr/>
+        <p:nvPr/>
+      </p:nvGrpSpPr>
+      <p:grpSpPr>
+        <a:xfrm>
+          <a:off x="0" y="0"/>
+          <a:ext cx="0" cy="0"/>
+          <a:chOff x="0" y="0"/>
+          <a:chExt cx="0" cy="0"/>
+        </a:xfrm>
+      </p:grpSpPr>
+      <p:sp>
+        <p:nvSpPr>
           <p:cNvPr id="2" name="Title 1"/>
           <p:cNvSpPr>
             <a:spLocks noGrp="1"/>
@@ -4733,8 +5825,26 @@
           </a:p>
           <a:p>
             <a:r>
+              <a:rPr lang="en-GB" dirty="0" err="1" smtClean="0"/>
+              <a:t>Algoritmes</a:t>
+            </a:r>
+            <a:endParaRPr lang="en-GB" dirty="0" smtClean="0"/>
+          </a:p>
+          <a:p>
+            <a:r>
               <a:rPr lang="nl-NL" dirty="0" smtClean="0"/>
-              <a:t>Resultaten &amp; discussie</a:t>
+              <a:t>Resultaten &amp; </a:t>
+            </a:r>
+            <a:r>
+              <a:rPr lang="nl-NL" dirty="0" smtClean="0"/>
+              <a:t>discussie</a:t>
+            </a:r>
+            <a:endParaRPr lang="en-GB" dirty="0" smtClean="0"/>
+          </a:p>
+          <a:p>
+            <a:r>
+              <a:rPr lang="en-GB" dirty="0" err="1" smtClean="0"/>
+              <a:t>Conclusie</a:t>
             </a:r>
             <a:endParaRPr lang="en-GB" dirty="0" smtClean="0"/>
           </a:p>
@@ -4763,6 +5873,20 @@
 <file path=ppt/slides/slide3.xml><?xml version="1.0" encoding="utf-8"?>
 <p:sld xmlns:a="http://schemas.openxmlformats.org/drawingml/2006/main" xmlns:r="http://schemas.openxmlformats.org/officeDocument/2006/relationships" xmlns:p="http://schemas.openxmlformats.org/presentationml/2006/main">
   <p:cSld>
+    <p:bg>
+      <p:bgPr>
+        <a:blipFill dpi="0" rotWithShape="1">
+          <a:blip r:embed="rId3">
+            <a:lum/>
+          </a:blip>
+          <a:srcRect/>
+          <a:stretch>
+            <a:fillRect t="-17000" b="-17000"/>
+          </a:stretch>
+        </a:blipFill>
+        <a:effectLst/>
+      </p:bgPr>
+    </p:bg>
     <p:spTree>
       <p:nvGrpSpPr>
         <p:cNvPr id="1" name=""/>
@@ -4823,15 +5947,11 @@
           <a:p>
             <a:r>
               <a:rPr lang="nl-NL" dirty="0" smtClean="0"/>
-              <a:t>Huizen bouwen op </a:t>
+              <a:t>Huizen </a:t>
             </a:r>
             <a:r>
               <a:rPr lang="nl-NL" dirty="0" smtClean="0"/>
-              <a:t>grond</a:t>
-            </a:r>
-            <a:r>
-              <a:rPr lang="nl-NL" dirty="0" smtClean="0"/>
-              <a:t/>
+              <a:t>bouwen op grond</a:t>
             </a:r>
             <a:br>
               <a:rPr lang="nl-NL" dirty="0" smtClean="0"/>
@@ -4848,8 +5968,8 @@
               <a:t>maximale </a:t>
             </a:r>
             <a:r>
-              <a:rPr lang="nl-NL" dirty="0" err="1"/>
-              <a:t>vrijstand</a:t>
+              <a:rPr lang="nl-NL" dirty="0" smtClean="0"/>
+              <a:t>vrijstaande ruimte</a:t>
             </a:r>
             <a:endParaRPr lang="nl-NL" dirty="0"/>
           </a:p>
@@ -4889,13 +6009,10 @@
               <a:t>3 </a:t>
             </a:r>
             <a:r>
-              <a:rPr lang="nl-NL" dirty="0" err="1" smtClean="0"/>
-              <a:t>stituaties</a:t>
-            </a:r>
-            <a:r>
               <a:rPr lang="nl-NL" dirty="0" smtClean="0"/>
-              <a:t> </a:t>
-            </a:r>
+              <a:t>situaties </a:t>
+            </a:r>
+            <a:endParaRPr lang="nl-NL" dirty="0" smtClean="0"/>
           </a:p>
           <a:p>
             <a:pPr lvl="1"/>
@@ -4934,6 +6051,20 @@
 <file path=ppt/slides/slide4.xml><?xml version="1.0" encoding="utf-8"?>
 <p:sld xmlns:a="http://schemas.openxmlformats.org/drawingml/2006/main" xmlns:r="http://schemas.openxmlformats.org/officeDocument/2006/relationships" xmlns:p="http://schemas.openxmlformats.org/presentationml/2006/main">
   <p:cSld>
+    <p:bg>
+      <p:bgPr>
+        <a:blipFill dpi="0" rotWithShape="1">
+          <a:blip r:embed="rId3">
+            <a:lum/>
+          </a:blip>
+          <a:srcRect/>
+          <a:stretch>
+            <a:fillRect t="-17000" b="-17000"/>
+          </a:stretch>
+        </a:blipFill>
+        <a:effectLst/>
+      </p:bgPr>
+    </p:bg>
     <p:spTree>
       <p:nvGrpSpPr>
         <p:cNvPr id="1" name=""/>
@@ -4994,11 +6125,7 @@
           <a:p>
             <a:r>
               <a:rPr lang="nl-NL" dirty="0" smtClean="0"/>
-              <a:t>Huizen bouwen op </a:t>
-            </a:r>
-            <a:r>
-              <a:rPr lang="nl-NL" dirty="0" smtClean="0"/>
-              <a:t>grond</a:t>
+              <a:t>Huizen bouwen op grond</a:t>
             </a:r>
           </a:p>
           <a:p>
@@ -5070,7 +6197,7 @@
           <p:nvPr/>
         </p:nvPicPr>
         <p:blipFill>
-          <a:blip r:embed="rId3"/>
+          <a:blip r:embed="rId4"/>
           <a:stretch>
             <a:fillRect/>
           </a:stretch>
@@ -5094,7 +6221,7 @@
           <p:nvPr/>
         </p:nvPicPr>
         <p:blipFill>
-          <a:blip r:embed="rId4"/>
+          <a:blip r:embed="rId5"/>
           <a:stretch>
             <a:fillRect/>
           </a:stretch>
@@ -5118,7 +6245,7 @@
           <p:nvPr/>
         </p:nvPicPr>
         <p:blipFill>
-          <a:blip r:embed="rId5"/>
+          <a:blip r:embed="rId6"/>
           <a:stretch>
             <a:fillRect/>
           </a:stretch>
@@ -5142,7 +6269,7 @@
           <p:nvPr/>
         </p:nvPicPr>
         <p:blipFill>
-          <a:blip r:embed="rId6"/>
+          <a:blip r:embed="rId7"/>
           <a:stretch>
             <a:fillRect/>
           </a:stretch>
@@ -5529,6 +6656,20 @@
 <file path=ppt/slides/slide5.xml><?xml version="1.0" encoding="utf-8"?>
 <p:sld xmlns:a="http://schemas.openxmlformats.org/drawingml/2006/main" xmlns:r="http://schemas.openxmlformats.org/officeDocument/2006/relationships" xmlns:p="http://schemas.openxmlformats.org/presentationml/2006/main">
   <p:cSld>
+    <p:bg>
+      <p:bgPr>
+        <a:blipFill dpi="0" rotWithShape="1">
+          <a:blip r:embed="rId3">
+            <a:lum/>
+          </a:blip>
+          <a:srcRect/>
+          <a:stretch>
+            <a:fillRect t="-17000" b="-17000"/>
+          </a:stretch>
+        </a:blipFill>
+        <a:effectLst/>
+      </p:bgPr>
+    </p:bg>
     <p:spTree>
       <p:nvGrpSpPr>
         <p:cNvPr id="1" name=""/>
@@ -5543,151 +6684,9 @@
           <a:chExt cx="0" cy="0"/>
         </a:xfrm>
       </p:grpSpPr>
-      <p:sp>
-        <p:nvSpPr>
-          <p:cNvPr id="2" name="Title 1"/>
-          <p:cNvSpPr>
-            <a:spLocks noGrp="1"/>
-          </p:cNvSpPr>
-          <p:nvPr>
-            <p:ph type="title"/>
-          </p:nvPr>
-        </p:nvSpPr>
-        <p:spPr/>
-        <p:txBody>
-          <a:bodyPr/>
-          <a:lstStyle/>
-          <a:p>
-            <a:r>
-              <a:rPr lang="nl-NL" dirty="0" smtClean="0"/>
-              <a:t>Case: Regels</a:t>
-            </a:r>
-            <a:endParaRPr lang="nl-NL" dirty="0"/>
-          </a:p>
-        </p:txBody>
-      </p:sp>
-      <p:sp>
-        <p:nvSpPr>
-          <p:cNvPr id="3" name="Content Placeholder 2"/>
-          <p:cNvSpPr>
-            <a:spLocks noGrp="1"/>
-          </p:cNvSpPr>
-          <p:nvPr>
-            <p:ph idx="1"/>
-          </p:nvPr>
-        </p:nvSpPr>
-        <p:spPr/>
-        <p:txBody>
-          <a:bodyPr>
-            <a:normAutofit lnSpcReduction="10000"/>
-          </a:bodyPr>
-          <a:lstStyle/>
-          <a:p>
-            <a:r>
-              <a:rPr lang="nl-NL" dirty="0" smtClean="0"/>
-              <a:t>Huizen </a:t>
-            </a:r>
-            <a:r>
-              <a:rPr lang="nl-NL" dirty="0" smtClean="0"/>
-              <a:t>mogen niet </a:t>
-            </a:r>
-            <a:r>
-              <a:rPr lang="nl-NL" dirty="0" smtClean="0"/>
-              <a:t>overlappen</a:t>
-            </a:r>
-          </a:p>
-          <a:p>
-            <a:endParaRPr lang="nl-NL" dirty="0" smtClean="0"/>
-          </a:p>
-          <a:p>
-            <a:r>
-              <a:rPr lang="nl-NL" dirty="0" smtClean="0"/>
-              <a:t>20 % is van het oppervlakte</a:t>
-            </a:r>
-            <a:br>
-              <a:rPr lang="nl-NL" dirty="0" smtClean="0"/>
-            </a:br>
-            <a:r>
-              <a:rPr lang="nl-NL" dirty="0" smtClean="0"/>
-              <a:t>is </a:t>
-            </a:r>
-            <a:r>
-              <a:rPr lang="nl-NL" dirty="0" smtClean="0"/>
-              <a:t>water</a:t>
-            </a:r>
-          </a:p>
-          <a:p>
-            <a:endParaRPr lang="nl-NL" dirty="0" smtClean="0"/>
-          </a:p>
-          <a:p>
-            <a:r>
-              <a:rPr lang="nl-NL" dirty="0" smtClean="0"/>
-              <a:t>Maximaal 4 plassen water van</a:t>
-            </a:r>
-            <a:br>
-              <a:rPr lang="nl-NL" dirty="0" smtClean="0"/>
-            </a:br>
-            <a:r>
-              <a:rPr lang="nl-NL" dirty="0" smtClean="0"/>
-              <a:t>een verhouding </a:t>
-            </a:r>
-            <a:r>
-              <a:rPr lang="nl-NL" dirty="0" smtClean="0"/>
-              <a:t>1:4</a:t>
-            </a:r>
-          </a:p>
-          <a:p>
-            <a:endParaRPr lang="nl-NL" dirty="0" smtClean="0"/>
-          </a:p>
-          <a:p>
-            <a:r>
-              <a:rPr lang="nl-NL" dirty="0" smtClean="0"/>
-              <a:t>leg uit wat vrijstaande ruimte </a:t>
-            </a:r>
-            <a:br>
-              <a:rPr lang="nl-NL" dirty="0" smtClean="0"/>
-            </a:br>
-            <a:r>
-              <a:rPr lang="nl-NL" dirty="0" smtClean="0"/>
-              <a:t>is</a:t>
-            </a:r>
-            <a:endParaRPr lang="nl-NL" dirty="0" smtClean="0"/>
-          </a:p>
-          <a:p>
-            <a:endParaRPr lang="nl-NL" dirty="0" smtClean="0"/>
-          </a:p>
-          <a:p>
-            <a:endParaRPr lang="nl-NL" dirty="0"/>
-          </a:p>
-        </p:txBody>
-      </p:sp>
       <p:pic>
         <p:nvPicPr>
-          <p:cNvPr id="5" name="Picture 4"/>
-          <p:cNvPicPr>
-            <a:picLocks noChangeAspect="1"/>
-          </p:cNvPicPr>
-          <p:nvPr/>
-        </p:nvPicPr>
-        <p:blipFill>
-          <a:blip r:embed="rId3"/>
-          <a:stretch>
-            <a:fillRect/>
-          </a:stretch>
-        </p:blipFill>
-        <p:spPr>
-          <a:xfrm>
-            <a:off x="5672137" y="365125"/>
-            <a:ext cx="6105525" cy="6076950"/>
-          </a:xfrm>
-          <a:prstGeom prst="rect">
-            <a:avLst/>
-          </a:prstGeom>
-        </p:spPr>
-      </p:pic>
-      <p:pic>
-        <p:nvPicPr>
-          <p:cNvPr id="6" name="Picture 5"/>
+          <p:cNvPr id="11" name="Picture 10"/>
           <p:cNvPicPr>
             <a:picLocks noChangeAspect="1"/>
           </p:cNvPicPr>
@@ -5701,7 +6700,281 @@
         </p:blipFill>
         <p:spPr>
           <a:xfrm>
-            <a:off x="6688842" y="1460500"/>
+            <a:off x="9696449" y="1398931"/>
+            <a:ext cx="1552575" cy="1314450"/>
+          </a:xfrm>
+          <a:prstGeom prst="rect">
+            <a:avLst/>
+          </a:prstGeom>
+        </p:spPr>
+      </p:pic>
+      <p:pic>
+        <p:nvPicPr>
+          <p:cNvPr id="12" name="Picture 11"/>
+          <p:cNvPicPr>
+            <a:picLocks noChangeAspect="1"/>
+          </p:cNvPicPr>
+          <p:nvPr/>
+        </p:nvPicPr>
+        <p:blipFill>
+          <a:blip r:embed="rId5"/>
+          <a:stretch>
+            <a:fillRect/>
+          </a:stretch>
+        </p:blipFill>
+        <p:spPr>
+          <a:xfrm>
+            <a:off x="6686549" y="2586303"/>
+            <a:ext cx="3009900" cy="1971675"/>
+          </a:xfrm>
+          <a:prstGeom prst="rect">
+            <a:avLst/>
+          </a:prstGeom>
+        </p:spPr>
+      </p:pic>
+      <p:pic>
+        <p:nvPicPr>
+          <p:cNvPr id="13" name="Picture 12"/>
+          <p:cNvPicPr>
+            <a:picLocks noChangeAspect="1"/>
+          </p:cNvPicPr>
+          <p:nvPr/>
+        </p:nvPicPr>
+        <p:blipFill>
+          <a:blip r:embed="rId6"/>
+          <a:stretch>
+            <a:fillRect/>
+          </a:stretch>
+        </p:blipFill>
+        <p:spPr>
+          <a:xfrm>
+            <a:off x="8686799" y="4998244"/>
+            <a:ext cx="2562225" cy="1143000"/>
+          </a:xfrm>
+          <a:prstGeom prst="rect">
+            <a:avLst/>
+          </a:prstGeom>
+        </p:spPr>
+      </p:pic>
+      <p:pic>
+        <p:nvPicPr>
+          <p:cNvPr id="7" name="Picture 6"/>
+          <p:cNvPicPr>
+            <a:picLocks noChangeAspect="1"/>
+          </p:cNvPicPr>
+          <p:nvPr/>
+        </p:nvPicPr>
+        <p:blipFill>
+          <a:blip r:embed="rId7"/>
+          <a:stretch>
+            <a:fillRect/>
+          </a:stretch>
+        </p:blipFill>
+        <p:spPr>
+          <a:xfrm>
+            <a:off x="5567362" y="314325"/>
+            <a:ext cx="6143625" cy="6029325"/>
+          </a:xfrm>
+          <a:prstGeom prst="rect">
+            <a:avLst/>
+          </a:prstGeom>
+        </p:spPr>
+      </p:pic>
+      <p:pic>
+        <p:nvPicPr>
+          <p:cNvPr id="8" name="Picture 7"/>
+          <p:cNvPicPr>
+            <a:picLocks noChangeAspect="1"/>
+          </p:cNvPicPr>
+          <p:nvPr/>
+        </p:nvPicPr>
+        <p:blipFill>
+          <a:blip r:embed="rId4"/>
+          <a:stretch>
+            <a:fillRect/>
+          </a:stretch>
+        </p:blipFill>
+        <p:spPr>
+          <a:xfrm>
+            <a:off x="9743431" y="1387818"/>
+            <a:ext cx="1552575" cy="1314450"/>
+          </a:xfrm>
+          <a:prstGeom prst="rect">
+            <a:avLst/>
+          </a:prstGeom>
+        </p:spPr>
+      </p:pic>
+      <p:pic>
+        <p:nvPicPr>
+          <p:cNvPr id="9" name="Picture 8"/>
+          <p:cNvPicPr>
+            <a:picLocks noChangeAspect="1"/>
+          </p:cNvPicPr>
+          <p:nvPr/>
+        </p:nvPicPr>
+        <p:blipFill>
+          <a:blip r:embed="rId5"/>
+          <a:stretch>
+            <a:fillRect/>
+          </a:stretch>
+        </p:blipFill>
+        <p:spPr>
+          <a:xfrm>
+            <a:off x="6733531" y="2575190"/>
+            <a:ext cx="3009900" cy="1971675"/>
+          </a:xfrm>
+          <a:prstGeom prst="rect">
+            <a:avLst/>
+          </a:prstGeom>
+        </p:spPr>
+      </p:pic>
+      <p:pic>
+        <p:nvPicPr>
+          <p:cNvPr id="10" name="Picture 9"/>
+          <p:cNvPicPr>
+            <a:picLocks noChangeAspect="1"/>
+          </p:cNvPicPr>
+          <p:nvPr/>
+        </p:nvPicPr>
+        <p:blipFill>
+          <a:blip r:embed="rId6"/>
+          <a:stretch>
+            <a:fillRect/>
+          </a:stretch>
+        </p:blipFill>
+        <p:spPr>
+          <a:xfrm>
+            <a:off x="8733781" y="4987131"/>
+            <a:ext cx="2562225" cy="1143000"/>
+          </a:xfrm>
+          <a:prstGeom prst="rect">
+            <a:avLst/>
+          </a:prstGeom>
+        </p:spPr>
+      </p:pic>
+      <p:sp>
+        <p:nvSpPr>
+          <p:cNvPr id="2" name="Title 1"/>
+          <p:cNvSpPr>
+            <a:spLocks noGrp="1"/>
+          </p:cNvSpPr>
+          <p:nvPr>
+            <p:ph type="title"/>
+          </p:nvPr>
+        </p:nvSpPr>
+        <p:spPr/>
+        <p:txBody>
+          <a:bodyPr/>
+          <a:lstStyle/>
+          <a:p>
+            <a:r>
+              <a:rPr lang="nl-NL" dirty="0" smtClean="0"/>
+              <a:t>Case: Regels</a:t>
+            </a:r>
+            <a:endParaRPr lang="nl-NL" dirty="0"/>
+          </a:p>
+        </p:txBody>
+      </p:sp>
+      <p:sp>
+        <p:nvSpPr>
+          <p:cNvPr id="3" name="Content Placeholder 2"/>
+          <p:cNvSpPr>
+            <a:spLocks noGrp="1"/>
+          </p:cNvSpPr>
+          <p:nvPr>
+            <p:ph idx="1"/>
+          </p:nvPr>
+        </p:nvSpPr>
+        <p:spPr>
+          <a:xfrm>
+            <a:off x="838200" y="1825625"/>
+            <a:ext cx="4682180" cy="4351338"/>
+          </a:xfrm>
+        </p:spPr>
+        <p:txBody>
+          <a:bodyPr>
+            <a:normAutofit fontScale="92500" lnSpcReduction="10000"/>
+          </a:bodyPr>
+          <a:lstStyle/>
+          <a:p>
+            <a:r>
+              <a:rPr lang="nl-NL" dirty="0" smtClean="0"/>
+              <a:t>Huizen mogen niet overlappen</a:t>
+            </a:r>
+          </a:p>
+          <a:p>
+            <a:endParaRPr lang="nl-NL" dirty="0" smtClean="0"/>
+          </a:p>
+          <a:p>
+            <a:r>
+              <a:rPr lang="nl-NL" dirty="0" smtClean="0"/>
+              <a:t>20 % is van het oppervlakte</a:t>
+            </a:r>
+            <a:br>
+              <a:rPr lang="nl-NL" dirty="0" smtClean="0"/>
+            </a:br>
+            <a:r>
+              <a:rPr lang="nl-NL" dirty="0" smtClean="0"/>
+              <a:t>is water</a:t>
+            </a:r>
+          </a:p>
+          <a:p>
+            <a:endParaRPr lang="nl-NL" dirty="0" smtClean="0"/>
+          </a:p>
+          <a:p>
+            <a:r>
+              <a:rPr lang="nl-NL" dirty="0" smtClean="0"/>
+              <a:t>Maximaal 4 plassen water van</a:t>
+            </a:r>
+            <a:br>
+              <a:rPr lang="nl-NL" dirty="0" smtClean="0"/>
+            </a:br>
+            <a:r>
+              <a:rPr lang="nl-NL" dirty="0" smtClean="0"/>
+              <a:t>een verhouding 1:4</a:t>
+            </a:r>
+          </a:p>
+          <a:p>
+            <a:endParaRPr lang="nl-NL" dirty="0" smtClean="0"/>
+          </a:p>
+          <a:p>
+            <a:r>
+              <a:rPr lang="nl-NL" dirty="0" smtClean="0"/>
+              <a:t>leg uit wat vrijstaande ruimte </a:t>
+            </a:r>
+            <a:br>
+              <a:rPr lang="nl-NL" dirty="0" smtClean="0"/>
+            </a:br>
+            <a:r>
+              <a:rPr lang="nl-NL" dirty="0" smtClean="0"/>
+              <a:t>is</a:t>
+            </a:r>
+          </a:p>
+          <a:p>
+            <a:endParaRPr lang="nl-NL" dirty="0" smtClean="0"/>
+          </a:p>
+          <a:p>
+            <a:endParaRPr lang="nl-NL" dirty="0"/>
+          </a:p>
+        </p:txBody>
+      </p:sp>
+      <p:pic>
+        <p:nvPicPr>
+          <p:cNvPr id="6" name="Picture 5"/>
+          <p:cNvPicPr>
+            <a:picLocks noChangeAspect="1"/>
+          </p:cNvPicPr>
+          <p:nvPr/>
+        </p:nvPicPr>
+        <p:blipFill>
+          <a:blip r:embed="rId8"/>
+          <a:stretch>
+            <a:fillRect/>
+          </a:stretch>
+        </p:blipFill>
+        <p:spPr>
+          <a:xfrm>
+            <a:off x="6686549" y="1208530"/>
             <a:ext cx="1952625" cy="1943100"/>
           </a:xfrm>
           <a:prstGeom prst="rect">
@@ -5722,7 +6995,213 @@
   <p:timing>
     <p:tnLst>
       <p:par>
-        <p:cTn id="1" dur="indefinite" restart="never" nodeType="tmRoot"/>
+        <p:cTn id="1" dur="indefinite" restart="never" nodeType="tmRoot">
+          <p:childTnLst>
+            <p:seq concurrent="1" nextAc="seek">
+              <p:cTn id="2" dur="indefinite" nodeType="mainSeq">
+                <p:childTnLst>
+                  <p:par>
+                    <p:cTn id="3" fill="hold">
+                      <p:stCondLst>
+                        <p:cond delay="indefinite"/>
+                        <p:cond evt="onBegin" delay="0">
+                          <p:tn val="2"/>
+                        </p:cond>
+                      </p:stCondLst>
+                      <p:childTnLst>
+                        <p:par>
+                          <p:cTn id="4" fill="hold">
+                            <p:stCondLst>
+                              <p:cond delay="0"/>
+                            </p:stCondLst>
+                            <p:childTnLst>
+                              <p:par>
+                                <p:cTn id="5" presetID="1" presetClass="entr" presetSubtype="0" fill="hold" nodeType="withEffect">
+                                  <p:stCondLst>
+                                    <p:cond delay="0"/>
+                                  </p:stCondLst>
+                                  <p:childTnLst>
+                                    <p:set>
+                                      <p:cBhvr>
+                                        <p:cTn id="6" dur="1" fill="hold">
+                                          <p:stCondLst>
+                                            <p:cond delay="0"/>
+                                          </p:stCondLst>
+                                        </p:cTn>
+                                        <p:tgtEl>
+                                          <p:spTgt spid="10"/>
+                                        </p:tgtEl>
+                                        <p:attrNameLst>
+                                          <p:attrName>style.visibility</p:attrName>
+                                        </p:attrNameLst>
+                                      </p:cBhvr>
+                                      <p:to>
+                                        <p:strVal val="visible"/>
+                                      </p:to>
+                                    </p:set>
+                                  </p:childTnLst>
+                                </p:cTn>
+                              </p:par>
+                              <p:par>
+                                <p:cTn id="7" presetID="1" presetClass="entr" presetSubtype="0" fill="hold" nodeType="withEffect">
+                                  <p:stCondLst>
+                                    <p:cond delay="0"/>
+                                  </p:stCondLst>
+                                  <p:childTnLst>
+                                    <p:set>
+                                      <p:cBhvr>
+                                        <p:cTn id="8" dur="1" fill="hold">
+                                          <p:stCondLst>
+                                            <p:cond delay="0"/>
+                                          </p:stCondLst>
+                                        </p:cTn>
+                                        <p:tgtEl>
+                                          <p:spTgt spid="8"/>
+                                        </p:tgtEl>
+                                        <p:attrNameLst>
+                                          <p:attrName>style.visibility</p:attrName>
+                                        </p:attrNameLst>
+                                      </p:cBhvr>
+                                      <p:to>
+                                        <p:strVal val="visible"/>
+                                      </p:to>
+                                    </p:set>
+                                  </p:childTnLst>
+                                </p:cTn>
+                              </p:par>
+                              <p:par>
+                                <p:cTn id="9" presetID="1" presetClass="entr" presetSubtype="0" fill="hold" nodeType="withEffect">
+                                  <p:stCondLst>
+                                    <p:cond delay="0"/>
+                                  </p:stCondLst>
+                                  <p:childTnLst>
+                                    <p:set>
+                                      <p:cBhvr>
+                                        <p:cTn id="10" dur="1" fill="hold">
+                                          <p:stCondLst>
+                                            <p:cond delay="0"/>
+                                          </p:stCondLst>
+                                        </p:cTn>
+                                        <p:tgtEl>
+                                          <p:spTgt spid="9"/>
+                                        </p:tgtEl>
+                                        <p:attrNameLst>
+                                          <p:attrName>style.visibility</p:attrName>
+                                        </p:attrNameLst>
+                                      </p:cBhvr>
+                                      <p:to>
+                                        <p:strVal val="visible"/>
+                                      </p:to>
+                                    </p:set>
+                                  </p:childTnLst>
+                                </p:cTn>
+                              </p:par>
+                              <p:par>
+                                <p:cTn id="11" presetID="1" presetClass="entr" presetSubtype="0" fill="hold" nodeType="withEffect">
+                                  <p:stCondLst>
+                                    <p:cond delay="0"/>
+                                  </p:stCondLst>
+                                  <p:childTnLst>
+                                    <p:set>
+                                      <p:cBhvr>
+                                        <p:cTn id="12" dur="1" fill="hold">
+                                          <p:stCondLst>
+                                            <p:cond delay="0"/>
+                                          </p:stCondLst>
+                                        </p:cTn>
+                                        <p:tgtEl>
+                                          <p:spTgt spid="13"/>
+                                        </p:tgtEl>
+                                        <p:attrNameLst>
+                                          <p:attrName>style.visibility</p:attrName>
+                                        </p:attrNameLst>
+                                      </p:cBhvr>
+                                      <p:to>
+                                        <p:strVal val="visible"/>
+                                      </p:to>
+                                    </p:set>
+                                  </p:childTnLst>
+                                </p:cTn>
+                              </p:par>
+                              <p:par>
+                                <p:cTn id="13" presetID="1" presetClass="entr" presetSubtype="0" fill="hold" nodeType="withEffect">
+                                  <p:stCondLst>
+                                    <p:cond delay="0"/>
+                                  </p:stCondLst>
+                                  <p:childTnLst>
+                                    <p:set>
+                                      <p:cBhvr>
+                                        <p:cTn id="14" dur="1" fill="hold">
+                                          <p:stCondLst>
+                                            <p:cond delay="0"/>
+                                          </p:stCondLst>
+                                        </p:cTn>
+                                        <p:tgtEl>
+                                          <p:spTgt spid="11"/>
+                                        </p:tgtEl>
+                                        <p:attrNameLst>
+                                          <p:attrName>style.visibility</p:attrName>
+                                        </p:attrNameLst>
+                                      </p:cBhvr>
+                                      <p:to>
+                                        <p:strVal val="visible"/>
+                                      </p:to>
+                                    </p:set>
+                                  </p:childTnLst>
+                                </p:cTn>
+                              </p:par>
+                              <p:par>
+                                <p:cTn id="15" presetID="1" presetClass="entr" presetSubtype="0" fill="hold" nodeType="withEffect">
+                                  <p:stCondLst>
+                                    <p:cond delay="0"/>
+                                  </p:stCondLst>
+                                  <p:childTnLst>
+                                    <p:set>
+                                      <p:cBhvr>
+                                        <p:cTn id="16" dur="1" fill="hold">
+                                          <p:stCondLst>
+                                            <p:cond delay="0"/>
+                                          </p:stCondLst>
+                                        </p:cTn>
+                                        <p:tgtEl>
+                                          <p:spTgt spid="12"/>
+                                        </p:tgtEl>
+                                        <p:attrNameLst>
+                                          <p:attrName>style.visibility</p:attrName>
+                                        </p:attrNameLst>
+                                      </p:cBhvr>
+                                      <p:to>
+                                        <p:strVal val="visible"/>
+                                      </p:to>
+                                    </p:set>
+                                  </p:childTnLst>
+                                </p:cTn>
+                              </p:par>
+                            </p:childTnLst>
+                          </p:cTn>
+                        </p:par>
+                      </p:childTnLst>
+                    </p:cTn>
+                  </p:par>
+                </p:childTnLst>
+              </p:cTn>
+              <p:prevCondLst>
+                <p:cond evt="onPrev" delay="0">
+                  <p:tgtEl>
+                    <p:sldTgt/>
+                  </p:tgtEl>
+                </p:cond>
+              </p:prevCondLst>
+              <p:nextCondLst>
+                <p:cond evt="onNext" delay="0">
+                  <p:tgtEl>
+                    <p:sldTgt/>
+                  </p:tgtEl>
+                </p:cond>
+              </p:nextCondLst>
+            </p:seq>
+          </p:childTnLst>
+        </p:cTn>
       </p:par>
     </p:tnLst>
   </p:timing>
@@ -5732,6 +7211,20 @@
 <file path=ppt/slides/slide6.xml><?xml version="1.0" encoding="utf-8"?>
 <p:sld xmlns:a="http://schemas.openxmlformats.org/drawingml/2006/main" xmlns:r="http://schemas.openxmlformats.org/officeDocument/2006/relationships" xmlns:p="http://schemas.openxmlformats.org/presentationml/2006/main">
   <p:cSld>
+    <p:bg>
+      <p:bgPr>
+        <a:blipFill dpi="0" rotWithShape="1">
+          <a:blip r:embed="rId3">
+            <a:lum/>
+          </a:blip>
+          <a:srcRect/>
+          <a:stretch>
+            <a:fillRect t="-17000" b="-17000"/>
+          </a:stretch>
+        </a:blipFill>
+        <a:effectLst/>
+      </p:bgPr>
+    </p:bg>
     <p:spTree>
       <p:nvGrpSpPr>
         <p:cNvPr id="1" name=""/>
@@ -5746,83 +7239,160 @@
           <a:chExt cx="0" cy="0"/>
         </a:xfrm>
       </p:grpSpPr>
-      <p:sp>
-        <p:nvSpPr>
-          <p:cNvPr id="2" name="Title 1"/>
-          <p:cNvSpPr>
-            <a:spLocks noGrp="1"/>
-          </p:cNvSpPr>
-          <p:nvPr>
-            <p:ph type="title"/>
-          </p:nvPr>
-        </p:nvSpPr>
-        <p:spPr/>
-        <p:txBody>
-          <a:bodyPr/>
-          <a:lstStyle/>
-          <a:p>
-            <a:r>
-              <a:rPr lang="nl-NL" dirty="0" smtClean="0"/>
-              <a:t>Case: Opdracht</a:t>
-            </a:r>
-            <a:endParaRPr lang="nl-NL" dirty="0"/>
-          </a:p>
-        </p:txBody>
-      </p:sp>
-      <p:sp>
-        <p:nvSpPr>
-          <p:cNvPr id="3" name="Content Placeholder 2"/>
-          <p:cNvSpPr>
-            <a:spLocks noGrp="1"/>
-          </p:cNvSpPr>
-          <p:nvPr>
-            <p:ph idx="1"/>
-          </p:nvPr>
-        </p:nvSpPr>
-        <p:spPr/>
-        <p:txBody>
-          <a:bodyPr/>
-          <a:lstStyle/>
-          <a:p>
-            <a:r>
-              <a:rPr lang="nl-NL" dirty="0" smtClean="0"/>
-              <a:t>Vind maximale </a:t>
-            </a:r>
-            <a:r>
-              <a:rPr lang="nl-NL" dirty="0" err="1" smtClean="0"/>
-              <a:t>vrijstand</a:t>
-            </a:r>
-            <a:endParaRPr lang="nl-NL" dirty="0" smtClean="0"/>
-          </a:p>
-          <a:p>
-            <a:r>
-              <a:rPr lang="nl-NL" dirty="0" smtClean="0"/>
-              <a:t>Vind maximale waarde</a:t>
-            </a:r>
-          </a:p>
-          <a:p>
-            <a:endParaRPr lang="nl-NL" dirty="0"/>
-          </a:p>
-        </p:txBody>
-      </p:sp>
       <p:pic>
         <p:nvPicPr>
-          <p:cNvPr id="5" name="Picture 4"/>
+          <p:cNvPr id="9" name="Picture 8"/>
           <p:cNvPicPr>
             <a:picLocks noChangeAspect="1"/>
           </p:cNvPicPr>
           <p:nvPr/>
         </p:nvPicPr>
         <p:blipFill>
-          <a:blip r:embed="rId2"/>
+          <a:blip r:embed="rId4"/>
           <a:stretch>
             <a:fillRect/>
           </a:stretch>
         </p:blipFill>
         <p:spPr>
           <a:xfrm>
-            <a:off x="5672137" y="365125"/>
-            <a:ext cx="6105525" cy="6076950"/>
+            <a:off x="5567362" y="314325"/>
+            <a:ext cx="6143625" cy="6029325"/>
+          </a:xfrm>
+          <a:prstGeom prst="rect">
+            <a:avLst/>
+          </a:prstGeom>
+        </p:spPr>
+      </p:pic>
+      <p:sp>
+        <p:nvSpPr>
+          <p:cNvPr id="2" name="Title 1"/>
+          <p:cNvSpPr>
+            <a:spLocks noGrp="1"/>
+          </p:cNvSpPr>
+          <p:nvPr>
+            <p:ph type="title"/>
+          </p:nvPr>
+        </p:nvSpPr>
+        <p:spPr/>
+        <p:txBody>
+          <a:bodyPr/>
+          <a:lstStyle/>
+          <a:p>
+            <a:r>
+              <a:rPr lang="nl-NL" dirty="0" smtClean="0"/>
+              <a:t>Case: Opdracht</a:t>
+            </a:r>
+            <a:endParaRPr lang="nl-NL" dirty="0"/>
+          </a:p>
+        </p:txBody>
+      </p:sp>
+      <p:sp>
+        <p:nvSpPr>
+          <p:cNvPr id="3" name="Content Placeholder 2"/>
+          <p:cNvSpPr>
+            <a:spLocks noGrp="1"/>
+          </p:cNvSpPr>
+          <p:nvPr>
+            <p:ph idx="1"/>
+          </p:nvPr>
+        </p:nvSpPr>
+        <p:spPr>
+          <a:xfrm>
+            <a:off x="838200" y="1825625"/>
+            <a:ext cx="4624386" cy="4351338"/>
+          </a:xfrm>
+        </p:spPr>
+        <p:txBody>
+          <a:bodyPr>
+            <a:normAutofit/>
+          </a:bodyPr>
+          <a:lstStyle/>
+          <a:p>
+            <a:r>
+              <a:rPr lang="nl-NL" dirty="0" smtClean="0"/>
+              <a:t>Vraagstelling:</a:t>
+            </a:r>
+            <a:br>
+              <a:rPr lang="nl-NL" dirty="0" smtClean="0"/>
+            </a:br>
+            <a:r>
+              <a:rPr lang="nl-NL" dirty="0" smtClean="0"/>
+              <a:t>Welk algoritme</a:t>
+            </a:r>
+            <a:r>
+              <a:rPr lang="nl-NL" dirty="0" smtClean="0"/>
+              <a:t>, met welke parameters levert de meeste winst/vrijstaande ruimte op per case?</a:t>
+            </a:r>
+            <a:endParaRPr lang="nl-NL" dirty="0"/>
+          </a:p>
+        </p:txBody>
+      </p:sp>
+      <p:pic>
+        <p:nvPicPr>
+          <p:cNvPr id="6" name="Picture 5"/>
+          <p:cNvPicPr>
+            <a:picLocks noChangeAspect="1"/>
+          </p:cNvPicPr>
+          <p:nvPr/>
+        </p:nvPicPr>
+        <p:blipFill>
+          <a:blip r:embed="rId5"/>
+          <a:stretch>
+            <a:fillRect/>
+          </a:stretch>
+        </p:blipFill>
+        <p:spPr>
+          <a:xfrm>
+            <a:off x="9696449" y="1398931"/>
+            <a:ext cx="1552575" cy="1314450"/>
+          </a:xfrm>
+          <a:prstGeom prst="rect">
+            <a:avLst/>
+          </a:prstGeom>
+        </p:spPr>
+      </p:pic>
+      <p:pic>
+        <p:nvPicPr>
+          <p:cNvPr id="7" name="Picture 6"/>
+          <p:cNvPicPr>
+            <a:picLocks noChangeAspect="1"/>
+          </p:cNvPicPr>
+          <p:nvPr/>
+        </p:nvPicPr>
+        <p:blipFill>
+          <a:blip r:embed="rId6"/>
+          <a:stretch>
+            <a:fillRect/>
+          </a:stretch>
+        </p:blipFill>
+        <p:spPr>
+          <a:xfrm>
+            <a:off x="6686549" y="2586303"/>
+            <a:ext cx="3009900" cy="1971675"/>
+          </a:xfrm>
+          <a:prstGeom prst="rect">
+            <a:avLst/>
+          </a:prstGeom>
+        </p:spPr>
+      </p:pic>
+      <p:pic>
+        <p:nvPicPr>
+          <p:cNvPr id="8" name="Picture 7"/>
+          <p:cNvPicPr>
+            <a:picLocks noChangeAspect="1"/>
+          </p:cNvPicPr>
+          <p:nvPr/>
+        </p:nvPicPr>
+        <p:blipFill>
+          <a:blip r:embed="rId7"/>
+          <a:stretch>
+            <a:fillRect/>
+          </a:stretch>
+        </p:blipFill>
+        <p:spPr>
+          <a:xfrm>
+            <a:off x="8686799" y="4998244"/>
+            <a:ext cx="2562225" cy="1143000"/>
           </a:xfrm>
           <a:prstGeom prst="rect">
             <a:avLst/>
@@ -5842,7 +7412,132 @@
   <p:timing>
     <p:tnLst>
       <p:par>
-        <p:cTn id="1" dur="indefinite" restart="never" nodeType="tmRoot"/>
+        <p:cTn id="1" dur="indefinite" restart="never" nodeType="tmRoot">
+          <p:childTnLst>
+            <p:seq concurrent="1" nextAc="seek">
+              <p:cTn id="2" dur="indefinite" nodeType="mainSeq">
+                <p:childTnLst>
+                  <p:par>
+                    <p:cTn id="3" fill="hold">
+                      <p:stCondLst>
+                        <p:cond delay="indefinite"/>
+                        <p:cond evt="onBegin" delay="0">
+                          <p:tn val="2"/>
+                        </p:cond>
+                      </p:stCondLst>
+                      <p:childTnLst>
+                        <p:par>
+                          <p:cTn id="4" fill="hold">
+                            <p:stCondLst>
+                              <p:cond delay="0"/>
+                            </p:stCondLst>
+                            <p:childTnLst>
+                              <p:par>
+                                <p:cTn id="5" presetID="1" presetClass="entr" presetSubtype="0" fill="hold" nodeType="withEffect">
+                                  <p:stCondLst>
+                                    <p:cond delay="0"/>
+                                  </p:stCondLst>
+                                  <p:childTnLst>
+                                    <p:set>
+                                      <p:cBhvr>
+                                        <p:cTn id="6" dur="1" fill="hold">
+                                          <p:stCondLst>
+                                            <p:cond delay="0"/>
+                                          </p:stCondLst>
+                                        </p:cTn>
+                                        <p:tgtEl>
+                                          <p:spTgt spid="8"/>
+                                        </p:tgtEl>
+                                        <p:attrNameLst>
+                                          <p:attrName>style.visibility</p:attrName>
+                                        </p:attrNameLst>
+                                      </p:cBhvr>
+                                      <p:to>
+                                        <p:strVal val="visible"/>
+                                      </p:to>
+                                    </p:set>
+                                  </p:childTnLst>
+                                </p:cTn>
+                              </p:par>
+                              <p:par>
+                                <p:cTn id="7" presetID="1" presetClass="entr" presetSubtype="0" fill="hold" nodeType="withEffect">
+                                  <p:stCondLst>
+                                    <p:cond delay="0"/>
+                                  </p:stCondLst>
+                                  <p:childTnLst>
+                                    <p:set>
+                                      <p:cBhvr>
+                                        <p:cTn id="8" dur="1" fill="hold">
+                                          <p:stCondLst>
+                                            <p:cond delay="0"/>
+                                          </p:stCondLst>
+                                        </p:cTn>
+                                        <p:tgtEl>
+                                          <p:spTgt spid="6"/>
+                                        </p:tgtEl>
+                                        <p:attrNameLst>
+                                          <p:attrName>style.visibility</p:attrName>
+                                        </p:attrNameLst>
+                                      </p:cBhvr>
+                                      <p:to>
+                                        <p:strVal val="visible"/>
+                                      </p:to>
+                                    </p:set>
+                                  </p:childTnLst>
+                                </p:cTn>
+                              </p:par>
+                              <p:par>
+                                <p:cTn id="9" presetID="1" presetClass="entr" presetSubtype="0" fill="hold" nodeType="withEffect">
+                                  <p:stCondLst>
+                                    <p:cond delay="0"/>
+                                  </p:stCondLst>
+                                  <p:childTnLst>
+                                    <p:set>
+                                      <p:cBhvr>
+                                        <p:cTn id="10" dur="1" fill="hold">
+                                          <p:stCondLst>
+                                            <p:cond delay="0"/>
+                                          </p:stCondLst>
+                                        </p:cTn>
+                                        <p:tgtEl>
+                                          <p:spTgt spid="7"/>
+                                        </p:tgtEl>
+                                        <p:attrNameLst>
+                                          <p:attrName>style.visibility</p:attrName>
+                                        </p:attrNameLst>
+                                      </p:cBhvr>
+                                      <p:to>
+                                        <p:strVal val="visible"/>
+                                      </p:to>
+                                    </p:set>
+                                  </p:childTnLst>
+                                </p:cTn>
+                              </p:par>
+                            </p:childTnLst>
+                          </p:cTn>
+                        </p:par>
+                      </p:childTnLst>
+                    </p:cTn>
+                  </p:par>
+                </p:childTnLst>
+              </p:cTn>
+              <p:prevCondLst>
+                <p:cond evt="onPrev" delay="0">
+                  <p:tgtEl>
+                    <p:sldTgt/>
+                  </p:tgtEl>
+                </p:cond>
+              </p:prevCondLst>
+              <p:nextCondLst>
+                <p:cond evt="onNext" delay="0">
+                  <p:tgtEl>
+                    <p:sldTgt/>
+                  </p:tgtEl>
+                </p:cond>
+              </p:nextCondLst>
+            </p:seq>
+          </p:childTnLst>
+        </p:cTn>
       </p:par>
     </p:tnLst>
   </p:timing>
@@ -5852,6 +7547,20 @@
 <file path=ppt/slides/slide7.xml><?xml version="1.0" encoding="utf-8"?>
 <p:sld xmlns:a="http://schemas.openxmlformats.org/drawingml/2006/main" xmlns:r="http://schemas.openxmlformats.org/officeDocument/2006/relationships" xmlns:p="http://schemas.openxmlformats.org/presentationml/2006/main">
   <p:cSld>
+    <p:bg>
+      <p:bgPr>
+        <a:blipFill dpi="0" rotWithShape="1">
+          <a:blip r:embed="rId3">
+            <a:lum/>
+          </a:blip>
+          <a:srcRect/>
+          <a:stretch>
+            <a:fillRect t="-17000" b="-17000"/>
+          </a:stretch>
+        </a:blipFill>
+        <a:effectLst/>
+      </p:bgPr>
+    </p:bg>
     <p:spTree>
       <p:nvGrpSpPr>
         <p:cNvPr id="1" name=""/>
@@ -5908,15 +7617,7 @@
               <a:p>
                 <a:r>
                   <a:rPr lang="nl-NL" dirty="0" smtClean="0"/>
-                  <a:t>Toestandsgroote </a:t>
-                </a:r>
-                <a:r>
-                  <a:rPr lang="nl-NL" dirty="0" err="1" smtClean="0"/>
-                  <a:t>complexisiteits</a:t>
-                </a:r>
-                <a:r>
-                  <a:rPr lang="nl-NL" dirty="0" smtClean="0"/>
-                  <a:t> </a:t>
+                  <a:t>Toestandsgrootte complexiteit </a:t>
                 </a:r>
                 <a:endParaRPr lang="nl-NL" dirty="0" smtClean="0"/>
               </a:p>
@@ -5937,13 +7638,7 @@
                           <a:rPr lang="nl-NL" b="0" i="1" smtClean="0">
                             <a:latin typeface="Cambria Math" panose="02040503050406030204" pitchFamily="18" charset="0"/>
                           </a:rPr>
-                          <m:t>48000</m:t>
-                        </m:r>
-                        <m:r>
-                          <a:rPr lang="nl-NL" b="0" i="1" smtClean="0">
-                            <a:latin typeface="Cambria Math" panose="02040503050406030204" pitchFamily="18" charset="0"/>
-                          </a:rPr>
-                          <m:t>!</m:t>
+                          <m:t>48000!</m:t>
                         </m:r>
                       </m:num>
                       <m:den>
@@ -6036,11 +7731,7 @@
               <a:p>
                 <a:r>
                   <a:rPr lang="nl-NL" dirty="0" smtClean="0"/>
-                  <a:t>Oplossingen door </a:t>
-                </a:r>
-                <a:r>
-                  <a:rPr lang="nl-NL" dirty="0" smtClean="0"/>
-                  <a:t>benadering</a:t>
+                  <a:t>Oplossingen door benadering</a:t>
                 </a:r>
               </a:p>
               <a:p>
@@ -6056,7 +7747,6 @@
                   <a:rPr lang="nl-NL" dirty="0" smtClean="0"/>
                   <a:t>Hill Climbing</a:t>
                 </a:r>
-                <a:endParaRPr lang="nl-NL" dirty="0" smtClean="0"/>
               </a:p>
               <a:p>
                 <a:pPr lvl="1"/>
@@ -6094,7 +7784,7 @@
             </p:nvSpPr>
             <p:spPr>
               <a:blipFill rotWithShape="0">
-                <a:blip r:embed="rId3"/>
+                <a:blip r:embed="rId4"/>
                 <a:stretch>
                   <a:fillRect l="-1043" t="-2241"/>
                 </a:stretch>
@@ -6138,6 +7828,20 @@
 <file path=ppt/slides/slide8.xml><?xml version="1.0" encoding="utf-8"?>
 <p:sld xmlns:a="http://schemas.openxmlformats.org/drawingml/2006/main" xmlns:r="http://schemas.openxmlformats.org/officeDocument/2006/relationships" xmlns:p="http://schemas.openxmlformats.org/presentationml/2006/main">
   <p:cSld>
+    <p:bg>
+      <p:bgPr>
+        <a:blipFill dpi="0" rotWithShape="1">
+          <a:blip r:embed="rId3">
+            <a:lum/>
+          </a:blip>
+          <a:srcRect/>
+          <a:stretch>
+            <a:fillRect t="-17000" b="-17000"/>
+          </a:stretch>
+        </a:blipFill>
+        <a:effectLst/>
+      </p:bgPr>
+    </p:bg>
     <p:spTree>
       <p:nvGrpSpPr>
         <p:cNvPr id="1" name=""/>
@@ -6188,75 +7892,60 @@
         <p:spPr>
           <a:xfrm>
             <a:off x="838200" y="1825625"/>
-            <a:ext cx="4038600" cy="4351338"/>
+            <a:ext cx="10078156" cy="4351338"/>
           </a:xfrm>
         </p:spPr>
         <p:txBody>
           <a:bodyPr>
-            <a:normAutofit lnSpcReduction="10000"/>
+            <a:normAutofit/>
           </a:bodyPr>
           <a:lstStyle/>
           <a:p>
+            <a:r>
+              <a:rPr lang="nl-NL" dirty="0" smtClean="0"/>
+              <a:t>Je </a:t>
+            </a:r>
+            <a:r>
+              <a:rPr lang="nl-NL" dirty="0"/>
+              <a:t>pakt random een sample uit de gehele toestand.</a:t>
+            </a:r>
+          </a:p>
+          <a:p>
+            <a:endParaRPr lang="nl-NL" dirty="0"/>
+          </a:p>
+          <a:p>
+            <a:pPr marL="514350" indent="-514350">
+              <a:buFont typeface="+mj-lt"/>
+              <a:buAutoNum type="arabicPeriod"/>
+            </a:pPr>
+            <a:r>
+              <a:rPr lang="nl-NL" dirty="0" smtClean="0"/>
+              <a:t>Plaats het water en de huizen</a:t>
+            </a:r>
             <a:endParaRPr lang="nl-NL" dirty="0" smtClean="0"/>
           </a:p>
           <a:p>
+            <a:pPr marL="514350" indent="-514350">
+              <a:buFont typeface="+mj-lt"/>
+              <a:buAutoNum type="arabicPeriod"/>
+            </a:pPr>
+            <a:r>
+              <a:rPr lang="nl-NL" dirty="0" smtClean="0"/>
+              <a:t>Bereken de winst/vrijstaande </a:t>
+            </a:r>
+            <a:r>
+              <a:rPr lang="nl-NL" dirty="0"/>
+              <a:t>ruimte</a:t>
+            </a:r>
+            <a:endParaRPr lang="nl-NL" dirty="0" smtClean="0"/>
+          </a:p>
+          <a:p>
             <a:endParaRPr lang="nl-NL" dirty="0"/>
           </a:p>
           <a:p>
-            <a:endParaRPr lang="nl-NL" dirty="0" smtClean="0"/>
-          </a:p>
-          <a:p>
             <a:r>
               <a:rPr lang="nl-NL" dirty="0" smtClean="0"/>
-              <a:t>Hoe wij het doen</a:t>
-            </a:r>
-          </a:p>
-          <a:p>
-            <a:r>
-              <a:rPr lang="nl-NL" dirty="0" smtClean="0"/>
-              <a:t>Plaats </a:t>
-            </a:r>
-            <a:r>
-              <a:rPr lang="nl-NL" dirty="0" smtClean="0"/>
-              <a:t>water random</a:t>
-            </a:r>
-          </a:p>
-          <a:p>
-            <a:r>
-              <a:rPr lang="nl-NL" dirty="0" smtClean="0"/>
-              <a:t>Plaat huizen random</a:t>
-            </a:r>
-          </a:p>
-          <a:p>
-            <a:r>
-              <a:rPr lang="nl-NL" dirty="0" err="1" smtClean="0"/>
-              <a:t>Calculate</a:t>
-            </a:r>
-            <a:r>
-              <a:rPr lang="nl-NL" dirty="0" smtClean="0"/>
-              <a:t> </a:t>
-            </a:r>
-            <a:r>
-              <a:rPr lang="nl-NL" dirty="0" err="1" smtClean="0"/>
-              <a:t>profit</a:t>
-            </a:r>
-            <a:endParaRPr lang="nl-NL" dirty="0" smtClean="0"/>
-          </a:p>
-          <a:p>
-            <a:endParaRPr lang="nl-NL" dirty="0"/>
-          </a:p>
-          <a:p>
-            <a:r>
-              <a:rPr lang="nl-NL" dirty="0" err="1" smtClean="0"/>
-              <a:t>Reeéle</a:t>
-            </a:r>
-            <a:r>
-              <a:rPr lang="nl-NL" dirty="0" smtClean="0"/>
-              <a:t> </a:t>
-            </a:r>
-            <a:r>
-              <a:rPr lang="nl-NL" dirty="0" err="1" smtClean="0"/>
-              <a:t>toestandsgroote</a:t>
+              <a:t>Toestandsgrootte bepalen</a:t>
             </a:r>
             <a:endParaRPr lang="nl-NL" dirty="0" smtClean="0"/>
           </a:p>
@@ -6285,6 +7974,20 @@
 <file path=ppt/slides/slide9.xml><?xml version="1.0" encoding="utf-8"?>
 <p:sld xmlns:a="http://schemas.openxmlformats.org/drawingml/2006/main" xmlns:r="http://schemas.openxmlformats.org/officeDocument/2006/relationships" xmlns:p="http://schemas.openxmlformats.org/presentationml/2006/main">
   <p:cSld>
+    <p:bg>
+      <p:bgPr>
+        <a:blipFill dpi="0" rotWithShape="1">
+          <a:blip r:embed="rId3">
+            <a:lum/>
+          </a:blip>
+          <a:srcRect/>
+          <a:stretch>
+            <a:fillRect t="-17000" b="-17000"/>
+          </a:stretch>
+        </a:blipFill>
+        <a:effectLst/>
+      </p:bgPr>
+    </p:bg>
     <p:spTree>
       <p:nvGrpSpPr>
         <p:cNvPr id="1" name=""/>
@@ -6319,8 +8022,12 @@
               <a:t>Hill </a:t>
             </a:r>
             <a:r>
-              <a:rPr lang="nl-NL" dirty="0" err="1" smtClean="0"/>
-              <a:t>climbing</a:t>
+              <a:rPr lang="nl-NL" dirty="0"/>
+              <a:t>C</a:t>
+            </a:r>
+            <a:r>
+              <a:rPr lang="nl-NL" dirty="0" smtClean="0"/>
+              <a:t>limbing</a:t>
             </a:r>
             <a:endParaRPr lang="nl-NL" dirty="0"/>
           </a:p>
@@ -6336,31 +8043,97 @@
             <p:ph idx="1"/>
           </p:nvPr>
         </p:nvSpPr>
-        <p:spPr/>
-        <p:txBody>
-          <a:bodyPr/>
-          <a:lstStyle/>
-          <a:p>
+        <p:spPr>
+          <a:xfrm>
+            <a:off x="838200" y="1825625"/>
+            <a:ext cx="4546600" cy="4351338"/>
+          </a:xfrm>
+        </p:spPr>
+        <p:txBody>
+          <a:bodyPr/>
+          <a:lstStyle/>
+          <a:p>
+            <a:pPr marL="514350" indent="-514350">
+              <a:buFont typeface="+mj-lt"/>
+              <a:buAutoNum type="arabicPeriod"/>
+            </a:pPr>
             <a:r>
               <a:rPr lang="nl-NL" dirty="0" smtClean="0"/>
-              <a:t>Plaats water random</a:t>
-            </a:r>
-          </a:p>
-          <a:p>
+              <a:t>Random Sample</a:t>
+            </a:r>
+          </a:p>
+          <a:p>
+            <a:pPr marL="514350" indent="-514350">
+              <a:buFont typeface="+mj-lt"/>
+              <a:buAutoNum type="arabicPeriod"/>
+            </a:pPr>
             <a:r>
               <a:rPr lang="nl-NL" dirty="0" smtClean="0"/>
-              <a:t>Plaats huizen random</a:t>
-            </a:r>
-          </a:p>
-          <a:p>
+              <a:t>Verschuif huizen</a:t>
+            </a:r>
+          </a:p>
+          <a:p>
+            <a:pPr marL="971550" lvl="1" indent="-514350">
+              <a:buFont typeface="+mj-lt"/>
+              <a:buAutoNum type="arabicPeriod"/>
+            </a:pPr>
             <a:r>
               <a:rPr lang="nl-NL" dirty="0" smtClean="0"/>
-              <a:t>Verschuif huizen random</a:t>
+              <a:t>Accepteer </a:t>
+            </a:r>
+            <a:r>
+              <a:rPr lang="nl-NL" b="1" u="sng" dirty="0" smtClean="0"/>
+              <a:t>alleen </a:t>
+            </a:r>
+            <a:r>
+              <a:rPr lang="nl-NL" dirty="0" smtClean="0"/>
+              <a:t>wanneer het meer waard is</a:t>
+            </a:r>
+          </a:p>
+          <a:p>
+            <a:pPr marL="514350" indent="-514350">
+              <a:buFont typeface="+mj-lt"/>
+              <a:buAutoNum type="arabicPeriod"/>
+            </a:pPr>
+            <a:endParaRPr lang="nl-NL" b="1" u="sng" dirty="0"/>
+          </a:p>
+          <a:p>
+            <a:pPr marL="514350" indent="-514350">
+              <a:buFont typeface="+mj-lt"/>
+              <a:buAutoNum type="arabicPeriod"/>
+            </a:pPr>
+            <a:r>
+              <a:rPr lang="nl-NL" dirty="0" smtClean="0"/>
+              <a:t>Lokale maxima</a:t>
             </a:r>
             <a:endParaRPr lang="nl-NL" dirty="0"/>
           </a:p>
         </p:txBody>
       </p:sp>
+      <p:pic>
+        <p:nvPicPr>
+          <p:cNvPr id="4" name="Picture 3"/>
+          <p:cNvPicPr>
+            <a:picLocks noChangeAspect="1"/>
+          </p:cNvPicPr>
+          <p:nvPr/>
+        </p:nvPicPr>
+        <p:blipFill>
+          <a:blip r:embed="rId4"/>
+          <a:stretch>
+            <a:fillRect/>
+          </a:stretch>
+        </p:blipFill>
+        <p:spPr>
+          <a:xfrm>
+            <a:off x="5583979" y="1196623"/>
+            <a:ext cx="6245541" cy="3603448"/>
+          </a:xfrm>
+          <a:prstGeom prst="rect">
+            <a:avLst/>
+          </a:prstGeom>
+        </p:spPr>
+      </p:pic>
     </p:spTree>
     <p:extLst>
       <p:ext uri="{BB962C8B-B14F-4D97-AF65-F5344CB8AC3E}">

--- a/Presentation2.pptx
+++ b/Presentation2.pptx
@@ -262,7 +262,7 @@
           <a:p>
             <a:fld id="{01B4DCC1-0A5F-414C-BC0A-259C2AB97066}" type="datetimeFigureOut">
               <a:rPr lang="nl-NL" smtClean="0"/>
-              <a:t>17-5-2016</a:t>
+              <a:t>19-5-2016</a:t>
             </a:fld>
             <a:endParaRPr lang="nl-NL"/>
           </a:p>
@@ -574,57 +574,6 @@
           <a:bodyPr/>
           <a:lstStyle/>
           <a:p>
-            <a:r>
-              <a:rPr lang="nl-NL" dirty="0" smtClean="0"/>
-              <a:t>Inleiden:</a:t>
-            </a:r>
-          </a:p>
-          <a:p>
-            <a:endParaRPr lang="nl-NL" dirty="0" smtClean="0"/>
-          </a:p>
-          <a:p>
-            <a:r>
-              <a:rPr lang="nl-NL" dirty="0" smtClean="0"/>
-              <a:t>Door</a:t>
-            </a:r>
-            <a:r>
-              <a:rPr lang="nl-NL" baseline="0" dirty="0" smtClean="0"/>
-              <a:t> de gemeente word een nieuwe woonwijk gebouwd.</a:t>
-            </a:r>
-          </a:p>
-          <a:p>
-            <a:r>
-              <a:rPr lang="nl-NL" baseline="0" dirty="0" smtClean="0"/>
-              <a:t>Wij hebben de eer om deze zo voordelig mogelijk in te delen. </a:t>
-            </a:r>
-          </a:p>
-          <a:p>
-            <a:r>
-              <a:rPr lang="nl-NL" baseline="0" dirty="0" smtClean="0"/>
-              <a:t>De gemeente zit te twijfelen tussen 2 mogelijkheden namelijk; Meeste winst en meeste ruimte tussen de huizen.</a:t>
-            </a:r>
-          </a:p>
-          <a:p>
-            <a:endParaRPr lang="nl-NL" baseline="0" dirty="0" smtClean="0"/>
-          </a:p>
-          <a:p>
-            <a:r>
-              <a:rPr lang="nl-NL" baseline="0" dirty="0" smtClean="0"/>
-              <a:t>Verplichte </a:t>
-            </a:r>
-            <a:r>
-              <a:rPr lang="nl-NL" baseline="0" dirty="0" err="1" smtClean="0"/>
-              <a:t>vrijstand</a:t>
-            </a:r>
-            <a:r>
-              <a:rPr lang="nl-NL" baseline="0" dirty="0" smtClean="0"/>
-              <a:t> is wit</a:t>
-            </a:r>
-          </a:p>
-          <a:p>
-            <a:endParaRPr lang="nl-NL" baseline="0" dirty="0" smtClean="0"/>
-          </a:p>
-          <a:p>
             <a:endParaRPr lang="nl-NL" baseline="0" dirty="0" smtClean="0"/>
           </a:p>
         </p:txBody>
@@ -646,7 +595,7 @@
           <a:p>
             <a:fld id="{9957C240-E7CE-4C0C-810B-D6FD17CCF4CA}" type="slidenum">
               <a:rPr lang="nl-NL" smtClean="0"/>
-              <a:t>3</a:t>
+              <a:t>1</a:t>
             </a:fld>
             <a:endParaRPr lang="nl-NL"/>
           </a:p>
@@ -655,7 +604,7 @@
     </p:spTree>
     <p:extLst>
       <p:ext uri="{BB962C8B-B14F-4D97-AF65-F5344CB8AC3E}">
-        <p14:creationId xmlns:p14="http://schemas.microsoft.com/office/powerpoint/2010/main" val="241933156"/>
+        <p14:creationId xmlns:p14="http://schemas.microsoft.com/office/powerpoint/2010/main" val="2670159741"/>
       </p:ext>
     </p:extLst>
   </p:cSld>
@@ -730,7 +679,7 @@
           <a:p>
             <a:fld id="{9957C240-E7CE-4C0C-810B-D6FD17CCF4CA}" type="slidenum">
               <a:rPr lang="nl-NL" smtClean="0"/>
-              <a:t>12</a:t>
+              <a:t>10</a:t>
             </a:fld>
             <a:endParaRPr lang="nl-NL"/>
           </a:p>
@@ -739,7 +688,7 @@
     </p:spTree>
     <p:extLst>
       <p:ext uri="{BB962C8B-B14F-4D97-AF65-F5344CB8AC3E}">
-        <p14:creationId xmlns:p14="http://schemas.microsoft.com/office/powerpoint/2010/main" val="3357281004"/>
+        <p14:creationId xmlns:p14="http://schemas.microsoft.com/office/powerpoint/2010/main" val="1752540451"/>
       </p:ext>
     </p:extLst>
   </p:cSld>
@@ -814,7 +763,7 @@
           <a:p>
             <a:fld id="{9957C240-E7CE-4C0C-810B-D6FD17CCF4CA}" type="slidenum">
               <a:rPr lang="nl-NL" smtClean="0"/>
-              <a:t>13</a:t>
+              <a:t>11</a:t>
             </a:fld>
             <a:endParaRPr lang="nl-NL"/>
           </a:p>
@@ -823,7 +772,7 @@
     </p:spTree>
     <p:extLst>
       <p:ext uri="{BB962C8B-B14F-4D97-AF65-F5344CB8AC3E}">
-        <p14:creationId xmlns:p14="http://schemas.microsoft.com/office/powerpoint/2010/main" val="1185368539"/>
+        <p14:creationId xmlns:p14="http://schemas.microsoft.com/office/powerpoint/2010/main" val="15799112"/>
       </p:ext>
     </p:extLst>
   </p:cSld>
@@ -898,6 +847,174 @@
           <a:p>
             <a:fld id="{9957C240-E7CE-4C0C-810B-D6FD17CCF4CA}" type="slidenum">
               <a:rPr lang="nl-NL" smtClean="0"/>
+              <a:t>12</a:t>
+            </a:fld>
+            <a:endParaRPr lang="nl-NL"/>
+          </a:p>
+        </p:txBody>
+      </p:sp>
+    </p:spTree>
+    <p:extLst>
+      <p:ext uri="{BB962C8B-B14F-4D97-AF65-F5344CB8AC3E}">
+        <p14:creationId xmlns:p14="http://schemas.microsoft.com/office/powerpoint/2010/main" val="3357281004"/>
+      </p:ext>
+    </p:extLst>
+  </p:cSld>
+  <p:clrMapOvr>
+    <a:masterClrMapping/>
+  </p:clrMapOvr>
+</p:notes>
+</file>
+
+<file path=ppt/notesSlides/notesSlide13.xml><?xml version="1.0" encoding="utf-8"?>
+<p:notes xmlns:a="http://schemas.openxmlformats.org/drawingml/2006/main" xmlns:r="http://schemas.openxmlformats.org/officeDocument/2006/relationships" xmlns:p="http://schemas.openxmlformats.org/presentationml/2006/main">
+  <p:cSld>
+    <p:spTree>
+      <p:nvGrpSpPr>
+        <p:cNvPr id="1" name=""/>
+        <p:cNvGrpSpPr/>
+        <p:nvPr/>
+      </p:nvGrpSpPr>
+      <p:grpSpPr>
+        <a:xfrm>
+          <a:off x="0" y="0"/>
+          <a:ext cx="0" cy="0"/>
+          <a:chOff x="0" y="0"/>
+          <a:chExt cx="0" cy="0"/>
+        </a:xfrm>
+      </p:grpSpPr>
+      <p:sp>
+        <p:nvSpPr>
+          <p:cNvPr id="2" name="Slide Image Placeholder 1"/>
+          <p:cNvSpPr>
+            <a:spLocks noGrp="1" noRot="1" noChangeAspect="1"/>
+          </p:cNvSpPr>
+          <p:nvPr>
+            <p:ph type="sldImg"/>
+          </p:nvPr>
+        </p:nvSpPr>
+        <p:spPr/>
+      </p:sp>
+      <p:sp>
+        <p:nvSpPr>
+          <p:cNvPr id="3" name="Notes Placeholder 2"/>
+          <p:cNvSpPr>
+            <a:spLocks noGrp="1"/>
+          </p:cNvSpPr>
+          <p:nvPr>
+            <p:ph type="body" idx="1"/>
+          </p:nvPr>
+        </p:nvSpPr>
+        <p:spPr/>
+        <p:txBody>
+          <a:bodyPr/>
+          <a:lstStyle/>
+          <a:p>
+            <a:endParaRPr lang="nl-NL" dirty="0"/>
+          </a:p>
+        </p:txBody>
+      </p:sp>
+      <p:sp>
+        <p:nvSpPr>
+          <p:cNvPr id="4" name="Slide Number Placeholder 3"/>
+          <p:cNvSpPr>
+            <a:spLocks noGrp="1"/>
+          </p:cNvSpPr>
+          <p:nvPr>
+            <p:ph type="sldNum" sz="quarter" idx="10"/>
+          </p:nvPr>
+        </p:nvSpPr>
+        <p:spPr/>
+        <p:txBody>
+          <a:bodyPr/>
+          <a:lstStyle/>
+          <a:p>
+            <a:fld id="{9957C240-E7CE-4C0C-810B-D6FD17CCF4CA}" type="slidenum">
+              <a:rPr lang="nl-NL" smtClean="0"/>
+              <a:t>13</a:t>
+            </a:fld>
+            <a:endParaRPr lang="nl-NL"/>
+          </a:p>
+        </p:txBody>
+      </p:sp>
+    </p:spTree>
+    <p:extLst>
+      <p:ext uri="{BB962C8B-B14F-4D97-AF65-F5344CB8AC3E}">
+        <p14:creationId xmlns:p14="http://schemas.microsoft.com/office/powerpoint/2010/main" val="1185368539"/>
+      </p:ext>
+    </p:extLst>
+  </p:cSld>
+  <p:clrMapOvr>
+    <a:masterClrMapping/>
+  </p:clrMapOvr>
+</p:notes>
+</file>
+
+<file path=ppt/notesSlides/notesSlide14.xml><?xml version="1.0" encoding="utf-8"?>
+<p:notes xmlns:a="http://schemas.openxmlformats.org/drawingml/2006/main" xmlns:r="http://schemas.openxmlformats.org/officeDocument/2006/relationships" xmlns:p="http://schemas.openxmlformats.org/presentationml/2006/main">
+  <p:cSld>
+    <p:spTree>
+      <p:nvGrpSpPr>
+        <p:cNvPr id="1" name=""/>
+        <p:cNvGrpSpPr/>
+        <p:nvPr/>
+      </p:nvGrpSpPr>
+      <p:grpSpPr>
+        <a:xfrm>
+          <a:off x="0" y="0"/>
+          <a:ext cx="0" cy="0"/>
+          <a:chOff x="0" y="0"/>
+          <a:chExt cx="0" cy="0"/>
+        </a:xfrm>
+      </p:grpSpPr>
+      <p:sp>
+        <p:nvSpPr>
+          <p:cNvPr id="2" name="Slide Image Placeholder 1"/>
+          <p:cNvSpPr>
+            <a:spLocks noGrp="1" noRot="1" noChangeAspect="1"/>
+          </p:cNvSpPr>
+          <p:nvPr>
+            <p:ph type="sldImg"/>
+          </p:nvPr>
+        </p:nvSpPr>
+        <p:spPr/>
+      </p:sp>
+      <p:sp>
+        <p:nvSpPr>
+          <p:cNvPr id="3" name="Notes Placeholder 2"/>
+          <p:cNvSpPr>
+            <a:spLocks noGrp="1"/>
+          </p:cNvSpPr>
+          <p:nvPr>
+            <p:ph type="body" idx="1"/>
+          </p:nvPr>
+        </p:nvSpPr>
+        <p:spPr/>
+        <p:txBody>
+          <a:bodyPr/>
+          <a:lstStyle/>
+          <a:p>
+            <a:endParaRPr lang="nl-NL" dirty="0"/>
+          </a:p>
+        </p:txBody>
+      </p:sp>
+      <p:sp>
+        <p:nvSpPr>
+          <p:cNvPr id="4" name="Slide Number Placeholder 3"/>
+          <p:cNvSpPr>
+            <a:spLocks noGrp="1"/>
+          </p:cNvSpPr>
+          <p:nvPr>
+            <p:ph type="sldNum" sz="quarter" idx="10"/>
+          </p:nvPr>
+        </p:nvSpPr>
+        <p:spPr/>
+        <p:txBody>
+          <a:bodyPr/>
+          <a:lstStyle/>
+          <a:p>
+            <a:fld id="{9957C240-E7CE-4C0C-810B-D6FD17CCF4CA}" type="slidenum">
+              <a:rPr lang="nl-NL" smtClean="0"/>
               <a:t>14</a:t>
             </a:fld>
             <a:endParaRPr lang="nl-NL"/>
@@ -917,7 +1034,7 @@
 </p:notes>
 </file>
 
-<file path=ppt/notesSlides/notesSlide13.xml><?xml version="1.0" encoding="utf-8"?>
+<file path=ppt/notesSlides/notesSlide15.xml><?xml version="1.0" encoding="utf-8"?>
 <p:notes xmlns:a="http://schemas.openxmlformats.org/drawingml/2006/main" xmlns:r="http://schemas.openxmlformats.org/officeDocument/2006/relationships" xmlns:p="http://schemas.openxmlformats.org/presentationml/2006/main">
   <p:cSld>
     <p:spTree>
@@ -1045,58 +1162,7 @@
           <a:bodyPr/>
           <a:lstStyle/>
           <a:p>
-            <a:r>
-              <a:rPr lang="nl-NL" dirty="0" smtClean="0"/>
-              <a:t>Inleiden:</a:t>
-            </a:r>
-          </a:p>
-          <a:p>
-            <a:endParaRPr lang="nl-NL" dirty="0" smtClean="0"/>
-          </a:p>
-          <a:p>
-            <a:r>
-              <a:rPr lang="nl-NL" dirty="0" smtClean="0"/>
-              <a:t>Door</a:t>
-            </a:r>
-            <a:r>
-              <a:rPr lang="nl-NL" baseline="0" dirty="0" smtClean="0"/>
-              <a:t> de gemeente word een nieuwe woonwijk gebouwd.</a:t>
-            </a:r>
-          </a:p>
-          <a:p>
-            <a:r>
-              <a:rPr lang="nl-NL" baseline="0" dirty="0" smtClean="0"/>
-              <a:t>Wij hebben de eer om deze zo voordelig mogelijk in te delen. </a:t>
-            </a:r>
-          </a:p>
-          <a:p>
-            <a:r>
-              <a:rPr lang="nl-NL" baseline="0" dirty="0" smtClean="0"/>
-              <a:t>De gemeente zit te twijfelen tussen 2 mogelijkheden namelijk; Meeste winst en meeste ruimte tussen de huizen.</a:t>
-            </a:r>
-          </a:p>
-          <a:p>
-            <a:endParaRPr lang="nl-NL" baseline="0" dirty="0" smtClean="0"/>
-          </a:p>
-          <a:p>
-            <a:r>
-              <a:rPr lang="nl-NL" baseline="0" dirty="0" smtClean="0"/>
-              <a:t>Verplichte </a:t>
-            </a:r>
-            <a:r>
-              <a:rPr lang="nl-NL" baseline="0" dirty="0" err="1" smtClean="0"/>
-              <a:t>vrijstand</a:t>
-            </a:r>
-            <a:r>
-              <a:rPr lang="nl-NL" baseline="0" dirty="0" smtClean="0"/>
-              <a:t> is wit</a:t>
-            </a:r>
-          </a:p>
-          <a:p>
-            <a:endParaRPr lang="nl-NL" baseline="0" dirty="0" smtClean="0"/>
-          </a:p>
-          <a:p>
-            <a:endParaRPr lang="nl-NL" baseline="0" dirty="0" smtClean="0"/>
+            <a:endParaRPr lang="nl-NL" dirty="0"/>
           </a:p>
         </p:txBody>
       </p:sp>
@@ -1117,7 +1183,7 @@
           <a:p>
             <a:fld id="{9957C240-E7CE-4C0C-810B-D6FD17CCF4CA}" type="slidenum">
               <a:rPr lang="nl-NL" smtClean="0"/>
-              <a:t>4</a:t>
+              <a:t>2</a:t>
             </a:fld>
             <a:endParaRPr lang="nl-NL"/>
           </a:p>
@@ -1126,7 +1192,7 @@
     </p:spTree>
     <p:extLst>
       <p:ext uri="{BB962C8B-B14F-4D97-AF65-F5344CB8AC3E}">
-        <p14:creationId xmlns:p14="http://schemas.microsoft.com/office/powerpoint/2010/main" val="1863987892"/>
+        <p14:creationId xmlns:p14="http://schemas.microsoft.com/office/powerpoint/2010/main" val="3216867184"/>
       </p:ext>
     </p:extLst>
   </p:cSld>
@@ -1180,7 +1246,58 @@
           <a:bodyPr/>
           <a:lstStyle/>
           <a:p>
-            <a:endParaRPr lang="nl-NL" dirty="0"/>
+            <a:r>
+              <a:rPr lang="nl-NL" dirty="0" smtClean="0"/>
+              <a:t>Inleiden:</a:t>
+            </a:r>
+          </a:p>
+          <a:p>
+            <a:endParaRPr lang="nl-NL" dirty="0" smtClean="0"/>
+          </a:p>
+          <a:p>
+            <a:r>
+              <a:rPr lang="nl-NL" dirty="0" smtClean="0"/>
+              <a:t>Door</a:t>
+            </a:r>
+            <a:r>
+              <a:rPr lang="nl-NL" baseline="0" dirty="0" smtClean="0"/>
+              <a:t> de gemeente word een nieuwe woonwijk gebouwd.</a:t>
+            </a:r>
+          </a:p>
+          <a:p>
+            <a:r>
+              <a:rPr lang="nl-NL" baseline="0" dirty="0" smtClean="0"/>
+              <a:t>Wij hebben de eer om deze zo voordelig mogelijk in te delen. </a:t>
+            </a:r>
+          </a:p>
+          <a:p>
+            <a:r>
+              <a:rPr lang="nl-NL" baseline="0" dirty="0" smtClean="0"/>
+              <a:t>De gemeente zit te twijfelen tussen 2 mogelijkheden namelijk; Meeste winst en meeste ruimte tussen de huizen.</a:t>
+            </a:r>
+          </a:p>
+          <a:p>
+            <a:endParaRPr lang="nl-NL" baseline="0" dirty="0" smtClean="0"/>
+          </a:p>
+          <a:p>
+            <a:r>
+              <a:rPr lang="nl-NL" baseline="0" dirty="0" smtClean="0"/>
+              <a:t>Verplichte </a:t>
+            </a:r>
+            <a:r>
+              <a:rPr lang="nl-NL" baseline="0" dirty="0" err="1" smtClean="0"/>
+              <a:t>vrijstand</a:t>
+            </a:r>
+            <a:r>
+              <a:rPr lang="nl-NL" baseline="0" dirty="0" smtClean="0"/>
+              <a:t> is wit</a:t>
+            </a:r>
+          </a:p>
+          <a:p>
+            <a:endParaRPr lang="nl-NL" baseline="0" dirty="0" smtClean="0"/>
+          </a:p>
+          <a:p>
+            <a:endParaRPr lang="nl-NL" baseline="0" dirty="0" smtClean="0"/>
           </a:p>
         </p:txBody>
       </p:sp>
@@ -1201,7 +1318,7 @@
           <a:p>
             <a:fld id="{9957C240-E7CE-4C0C-810B-D6FD17CCF4CA}" type="slidenum">
               <a:rPr lang="nl-NL" smtClean="0"/>
-              <a:t>5</a:t>
+              <a:t>3</a:t>
             </a:fld>
             <a:endParaRPr lang="nl-NL"/>
           </a:p>
@@ -1210,7 +1327,7 @@
     </p:spTree>
     <p:extLst>
       <p:ext uri="{BB962C8B-B14F-4D97-AF65-F5344CB8AC3E}">
-        <p14:creationId xmlns:p14="http://schemas.microsoft.com/office/powerpoint/2010/main" val="2277774418"/>
+        <p14:creationId xmlns:p14="http://schemas.microsoft.com/office/powerpoint/2010/main" val="241933156"/>
       </p:ext>
     </p:extLst>
   </p:cSld>
@@ -1264,7 +1381,58 @@
           <a:bodyPr/>
           <a:lstStyle/>
           <a:p>
-            <a:endParaRPr lang="nl-NL" dirty="0"/>
+            <a:r>
+              <a:rPr lang="nl-NL" dirty="0" smtClean="0"/>
+              <a:t>Inleiden:</a:t>
+            </a:r>
+          </a:p>
+          <a:p>
+            <a:endParaRPr lang="nl-NL" dirty="0" smtClean="0"/>
+          </a:p>
+          <a:p>
+            <a:r>
+              <a:rPr lang="nl-NL" dirty="0" smtClean="0"/>
+              <a:t>Door</a:t>
+            </a:r>
+            <a:r>
+              <a:rPr lang="nl-NL" baseline="0" dirty="0" smtClean="0"/>
+              <a:t> de gemeente word een nieuwe woonwijk gebouwd.</a:t>
+            </a:r>
+          </a:p>
+          <a:p>
+            <a:r>
+              <a:rPr lang="nl-NL" baseline="0" dirty="0" smtClean="0"/>
+              <a:t>Wij hebben de eer om deze zo voordelig mogelijk in te delen. </a:t>
+            </a:r>
+          </a:p>
+          <a:p>
+            <a:r>
+              <a:rPr lang="nl-NL" baseline="0" dirty="0" smtClean="0"/>
+              <a:t>De gemeente zit te twijfelen tussen 2 mogelijkheden namelijk; Meeste winst en meeste ruimte tussen de huizen.</a:t>
+            </a:r>
+          </a:p>
+          <a:p>
+            <a:endParaRPr lang="nl-NL" baseline="0" dirty="0" smtClean="0"/>
+          </a:p>
+          <a:p>
+            <a:r>
+              <a:rPr lang="nl-NL" baseline="0" dirty="0" smtClean="0"/>
+              <a:t>Verplichte </a:t>
+            </a:r>
+            <a:r>
+              <a:rPr lang="nl-NL" baseline="0" dirty="0" err="1" smtClean="0"/>
+              <a:t>vrijstand</a:t>
+            </a:r>
+            <a:r>
+              <a:rPr lang="nl-NL" baseline="0" dirty="0" smtClean="0"/>
+              <a:t> is wit</a:t>
+            </a:r>
+          </a:p>
+          <a:p>
+            <a:endParaRPr lang="nl-NL" baseline="0" dirty="0" smtClean="0"/>
+          </a:p>
+          <a:p>
+            <a:endParaRPr lang="nl-NL" baseline="0" dirty="0" smtClean="0"/>
           </a:p>
         </p:txBody>
       </p:sp>
@@ -1285,7 +1453,7 @@
           <a:p>
             <a:fld id="{9957C240-E7CE-4C0C-810B-D6FD17CCF4CA}" type="slidenum">
               <a:rPr lang="nl-NL" smtClean="0"/>
-              <a:t>6</a:t>
+              <a:t>4</a:t>
             </a:fld>
             <a:endParaRPr lang="nl-NL"/>
           </a:p>
@@ -1294,7 +1462,7 @@
     </p:spTree>
     <p:extLst>
       <p:ext uri="{BB962C8B-B14F-4D97-AF65-F5344CB8AC3E}">
-        <p14:creationId xmlns:p14="http://schemas.microsoft.com/office/powerpoint/2010/main" val="1510698816"/>
+        <p14:creationId xmlns:p14="http://schemas.microsoft.com/office/powerpoint/2010/main" val="1863987892"/>
       </p:ext>
     </p:extLst>
   </p:cSld>
@@ -1369,7 +1537,7 @@
           <a:p>
             <a:fld id="{9957C240-E7CE-4C0C-810B-D6FD17CCF4CA}" type="slidenum">
               <a:rPr lang="nl-NL" smtClean="0"/>
-              <a:t>7</a:t>
+              <a:t>5</a:t>
             </a:fld>
             <a:endParaRPr lang="nl-NL"/>
           </a:p>
@@ -1378,7 +1546,7 @@
     </p:spTree>
     <p:extLst>
       <p:ext uri="{BB962C8B-B14F-4D97-AF65-F5344CB8AC3E}">
-        <p14:creationId xmlns:p14="http://schemas.microsoft.com/office/powerpoint/2010/main" val="2217244774"/>
+        <p14:creationId xmlns:p14="http://schemas.microsoft.com/office/powerpoint/2010/main" val="2277774418"/>
       </p:ext>
     </p:extLst>
   </p:cSld>
@@ -1432,36 +1600,6 @@
           <a:bodyPr/>
           <a:lstStyle/>
           <a:p>
-            <a:r>
-              <a:rPr lang="nl-NL" dirty="0" smtClean="0"/>
-              <a:t>Je</a:t>
-            </a:r>
-            <a:r>
-              <a:rPr lang="nl-NL" baseline="0" dirty="0" smtClean="0"/>
-              <a:t> pakt random een sample uit de gehele toestand.</a:t>
-            </a:r>
-          </a:p>
-          <a:p>
-            <a:endParaRPr lang="nl-NL" baseline="0" dirty="0" smtClean="0"/>
-          </a:p>
-          <a:p>
-            <a:r>
-              <a:rPr lang="nl-NL" baseline="0" dirty="0" smtClean="0"/>
-              <a:t>Hoe je doet; 1,2</a:t>
-            </a:r>
-          </a:p>
-          <a:p>
-            <a:endParaRPr lang="nl-NL" baseline="0" dirty="0" smtClean="0"/>
-          </a:p>
-          <a:p>
-            <a:r>
-              <a:rPr lang="nl-NL" baseline="0" dirty="0" smtClean="0"/>
-              <a:t>Het kan ook gebruikt worden als </a:t>
-            </a:r>
-            <a:r>
-              <a:rPr lang="nl-NL" dirty="0" smtClean="0"/>
-              <a:t>Toestandsgrootte </a:t>
-            </a:r>
             <a:endParaRPr lang="nl-NL" dirty="0"/>
           </a:p>
         </p:txBody>
@@ -1483,7 +1621,7 @@
           <a:p>
             <a:fld id="{9957C240-E7CE-4C0C-810B-D6FD17CCF4CA}" type="slidenum">
               <a:rPr lang="nl-NL" smtClean="0"/>
-              <a:t>8</a:t>
+              <a:t>6</a:t>
             </a:fld>
             <a:endParaRPr lang="nl-NL"/>
           </a:p>
@@ -1492,7 +1630,7 @@
     </p:spTree>
     <p:extLst>
       <p:ext uri="{BB962C8B-B14F-4D97-AF65-F5344CB8AC3E}">
-        <p14:creationId xmlns:p14="http://schemas.microsoft.com/office/powerpoint/2010/main" val="1192188430"/>
+        <p14:creationId xmlns:p14="http://schemas.microsoft.com/office/powerpoint/2010/main" val="1510698816"/>
       </p:ext>
     </p:extLst>
   </p:cSld>
@@ -1567,7 +1705,7 @@
           <a:p>
             <a:fld id="{9957C240-E7CE-4C0C-810B-D6FD17CCF4CA}" type="slidenum">
               <a:rPr lang="nl-NL" smtClean="0"/>
-              <a:t>9</a:t>
+              <a:t>7</a:t>
             </a:fld>
             <a:endParaRPr lang="nl-NL"/>
           </a:p>
@@ -1576,7 +1714,7 @@
     </p:spTree>
     <p:extLst>
       <p:ext uri="{BB962C8B-B14F-4D97-AF65-F5344CB8AC3E}">
-        <p14:creationId xmlns:p14="http://schemas.microsoft.com/office/powerpoint/2010/main" val="2465577946"/>
+        <p14:creationId xmlns:p14="http://schemas.microsoft.com/office/powerpoint/2010/main" val="2217244774"/>
       </p:ext>
     </p:extLst>
   </p:cSld>
@@ -1630,6 +1768,36 @@
           <a:bodyPr/>
           <a:lstStyle/>
           <a:p>
+            <a:r>
+              <a:rPr lang="nl-NL" dirty="0" smtClean="0"/>
+              <a:t>Je</a:t>
+            </a:r>
+            <a:r>
+              <a:rPr lang="nl-NL" baseline="0" dirty="0" smtClean="0"/>
+              <a:t> pakt random een sample uit de gehele toestand.</a:t>
+            </a:r>
+          </a:p>
+          <a:p>
+            <a:endParaRPr lang="nl-NL" baseline="0" dirty="0" smtClean="0"/>
+          </a:p>
+          <a:p>
+            <a:r>
+              <a:rPr lang="nl-NL" baseline="0" dirty="0" smtClean="0"/>
+              <a:t>Hoe je doet; 1,2</a:t>
+            </a:r>
+          </a:p>
+          <a:p>
+            <a:endParaRPr lang="nl-NL" baseline="0" dirty="0" smtClean="0"/>
+          </a:p>
+          <a:p>
+            <a:r>
+              <a:rPr lang="nl-NL" baseline="0" dirty="0" smtClean="0"/>
+              <a:t>Het kan ook gebruikt worden als </a:t>
+            </a:r>
+            <a:r>
+              <a:rPr lang="nl-NL" dirty="0" smtClean="0"/>
+              <a:t>Toestandsgrootte </a:t>
+            </a:r>
             <a:endParaRPr lang="nl-NL" dirty="0"/>
           </a:p>
         </p:txBody>
@@ -1651,7 +1819,7 @@
           <a:p>
             <a:fld id="{9957C240-E7CE-4C0C-810B-D6FD17CCF4CA}" type="slidenum">
               <a:rPr lang="nl-NL" smtClean="0"/>
-              <a:t>10</a:t>
+              <a:t>8</a:t>
             </a:fld>
             <a:endParaRPr lang="nl-NL"/>
           </a:p>
@@ -1660,7 +1828,7 @@
     </p:spTree>
     <p:extLst>
       <p:ext uri="{BB962C8B-B14F-4D97-AF65-F5344CB8AC3E}">
-        <p14:creationId xmlns:p14="http://schemas.microsoft.com/office/powerpoint/2010/main" val="1752540451"/>
+        <p14:creationId xmlns:p14="http://schemas.microsoft.com/office/powerpoint/2010/main" val="1192188430"/>
       </p:ext>
     </p:extLst>
   </p:cSld>
@@ -1735,7 +1903,7 @@
           <a:p>
             <a:fld id="{9957C240-E7CE-4C0C-810B-D6FD17CCF4CA}" type="slidenum">
               <a:rPr lang="nl-NL" smtClean="0"/>
-              <a:t>11</a:t>
+              <a:t>9</a:t>
             </a:fld>
             <a:endParaRPr lang="nl-NL"/>
           </a:p>
@@ -1744,7 +1912,7 @@
     </p:spTree>
     <p:extLst>
       <p:ext uri="{BB962C8B-B14F-4D97-AF65-F5344CB8AC3E}">
-        <p14:creationId xmlns:p14="http://schemas.microsoft.com/office/powerpoint/2010/main" val="15799112"/>
+        <p14:creationId xmlns:p14="http://schemas.microsoft.com/office/powerpoint/2010/main" val="2465577946"/>
       </p:ext>
     </p:extLst>
   </p:cSld>
@@ -1885,7 +2053,7 @@
           <a:p>
             <a:fld id="{C9288890-69CA-4AE8-A398-65EB4C192ED1}" type="datetimeFigureOut">
               <a:rPr lang="nl-NL" smtClean="0"/>
-              <a:t>17-5-2016</a:t>
+              <a:t>19-5-2016</a:t>
             </a:fld>
             <a:endParaRPr lang="nl-NL"/>
           </a:p>
@@ -2055,7 +2223,7 @@
           <a:p>
             <a:fld id="{C9288890-69CA-4AE8-A398-65EB4C192ED1}" type="datetimeFigureOut">
               <a:rPr lang="nl-NL" smtClean="0"/>
-              <a:t>17-5-2016</a:t>
+              <a:t>19-5-2016</a:t>
             </a:fld>
             <a:endParaRPr lang="nl-NL"/>
           </a:p>
@@ -2235,7 +2403,7 @@
           <a:p>
             <a:fld id="{C9288890-69CA-4AE8-A398-65EB4C192ED1}" type="datetimeFigureOut">
               <a:rPr lang="nl-NL" smtClean="0"/>
-              <a:t>17-5-2016</a:t>
+              <a:t>19-5-2016</a:t>
             </a:fld>
             <a:endParaRPr lang="nl-NL"/>
           </a:p>
@@ -2405,7 +2573,7 @@
           <a:p>
             <a:fld id="{C9288890-69CA-4AE8-A398-65EB4C192ED1}" type="datetimeFigureOut">
               <a:rPr lang="nl-NL" smtClean="0"/>
-              <a:t>17-5-2016</a:t>
+              <a:t>19-5-2016</a:t>
             </a:fld>
             <a:endParaRPr lang="nl-NL"/>
           </a:p>
@@ -2651,7 +2819,7 @@
           <a:p>
             <a:fld id="{C9288890-69CA-4AE8-A398-65EB4C192ED1}" type="datetimeFigureOut">
               <a:rPr lang="nl-NL" smtClean="0"/>
-              <a:t>17-5-2016</a:t>
+              <a:t>19-5-2016</a:t>
             </a:fld>
             <a:endParaRPr lang="nl-NL"/>
           </a:p>
@@ -2883,7 +3051,7 @@
           <a:p>
             <a:fld id="{C9288890-69CA-4AE8-A398-65EB4C192ED1}" type="datetimeFigureOut">
               <a:rPr lang="nl-NL" smtClean="0"/>
-              <a:t>17-5-2016</a:t>
+              <a:t>19-5-2016</a:t>
             </a:fld>
             <a:endParaRPr lang="nl-NL"/>
           </a:p>
@@ -3250,7 +3418,7 @@
           <a:p>
             <a:fld id="{C9288890-69CA-4AE8-A398-65EB4C192ED1}" type="datetimeFigureOut">
               <a:rPr lang="nl-NL" smtClean="0"/>
-              <a:t>17-5-2016</a:t>
+              <a:t>19-5-2016</a:t>
             </a:fld>
             <a:endParaRPr lang="nl-NL"/>
           </a:p>
@@ -3368,7 +3536,7 @@
           <a:p>
             <a:fld id="{C9288890-69CA-4AE8-A398-65EB4C192ED1}" type="datetimeFigureOut">
               <a:rPr lang="nl-NL" smtClean="0"/>
-              <a:t>17-5-2016</a:t>
+              <a:t>19-5-2016</a:t>
             </a:fld>
             <a:endParaRPr lang="nl-NL"/>
           </a:p>
@@ -3463,7 +3631,7 @@
           <a:p>
             <a:fld id="{C9288890-69CA-4AE8-A398-65EB4C192ED1}" type="datetimeFigureOut">
               <a:rPr lang="nl-NL" smtClean="0"/>
-              <a:t>17-5-2016</a:t>
+              <a:t>19-5-2016</a:t>
             </a:fld>
             <a:endParaRPr lang="nl-NL"/>
           </a:p>
@@ -3740,7 +3908,7 @@
           <a:p>
             <a:fld id="{C9288890-69CA-4AE8-A398-65EB4C192ED1}" type="datetimeFigureOut">
               <a:rPr lang="nl-NL" smtClean="0"/>
-              <a:t>17-5-2016</a:t>
+              <a:t>19-5-2016</a:t>
             </a:fld>
             <a:endParaRPr lang="nl-NL"/>
           </a:p>
@@ -3993,7 +4161,7 @@
           <a:p>
             <a:fld id="{C9288890-69CA-4AE8-A398-65EB4C192ED1}" type="datetimeFigureOut">
               <a:rPr lang="nl-NL" smtClean="0"/>
-              <a:t>17-5-2016</a:t>
+              <a:t>19-5-2016</a:t>
             </a:fld>
             <a:endParaRPr lang="nl-NL"/>
           </a:p>
@@ -4206,7 +4374,7 @@
           <a:p>
             <a:fld id="{C9288890-69CA-4AE8-A398-65EB4C192ED1}" type="datetimeFigureOut">
               <a:rPr lang="nl-NL" smtClean="0"/>
-              <a:t>17-5-2016</a:t>
+              <a:t>19-5-2016</a:t>
             </a:fld>
             <a:endParaRPr lang="nl-NL"/>
           </a:p>
@@ -4600,7 +4768,7 @@
     <p:bg>
       <p:bgPr>
         <a:blipFill dpi="0" rotWithShape="1">
-          <a:blip r:embed="rId2">
+          <a:blip r:embed="rId3">
             <a:lum/>
           </a:blip>
           <a:srcRect/>
@@ -4893,11 +5061,7 @@
           <a:p>
             <a:r>
               <a:rPr lang="nl-NL" dirty="0" smtClean="0"/>
-              <a:t>Accepteert </a:t>
-            </a:r>
-            <a:r>
-              <a:rPr lang="nl-NL" dirty="0" smtClean="0"/>
-              <a:t>ook verslechtering</a:t>
+              <a:t>Accepteert ook verslechtering</a:t>
             </a:r>
           </a:p>
           <a:p>
@@ -4918,19 +5082,7 @@
             <a:pPr lvl="2"/>
             <a:r>
               <a:rPr lang="nl-NL" dirty="0" smtClean="0"/>
-              <a:t>Gesimuleerd door daling </a:t>
-            </a:r>
-            <a:r>
-              <a:rPr lang="nl-NL" dirty="0" smtClean="0"/>
-              <a:t>temperatuur </a:t>
-            </a:r>
-            <a:r>
-              <a:rPr lang="nl-NL" dirty="0" smtClean="0"/>
-              <a:t>na elke </a:t>
-            </a:r>
-            <a:r>
-              <a:rPr lang="nl-NL" dirty="0" smtClean="0"/>
-              <a:t>sprong</a:t>
+              <a:t>Gesimuleerd door daling temperatuur na elke sprong</a:t>
             </a:r>
           </a:p>
           <a:p>
@@ -4941,7 +5093,6 @@
               <a:rPr lang="nl-NL" dirty="0" smtClean="0"/>
               <a:t>Dus vindt globale maxima</a:t>
             </a:r>
-            <a:endParaRPr lang="nl-NL" dirty="0" smtClean="0"/>
           </a:p>
         </p:txBody>
       </p:sp>
@@ -5063,11 +5214,7 @@
           <a:p>
             <a:r>
               <a:rPr lang="nl-NL" dirty="0"/>
-              <a:t>Resultaten &amp; </a:t>
-            </a:r>
-            <a:r>
-              <a:rPr lang="nl-NL" dirty="0"/>
-              <a:t>discussie</a:t>
+              <a:t>Resultaten &amp; discussie</a:t>
             </a:r>
             <a:br>
               <a:rPr lang="nl-NL" dirty="0"/>
@@ -5123,7 +5270,6 @@
               <a:rPr lang="nl-NL" dirty="0" smtClean="0"/>
               <a:t>Duurt ~3 uur</a:t>
             </a:r>
-            <a:endParaRPr lang="nl-NL" dirty="0" smtClean="0"/>
           </a:p>
           <a:p>
             <a:endParaRPr lang="nl-NL" dirty="0"/>
@@ -5250,11 +5396,7 @@
           <a:p>
             <a:r>
               <a:rPr lang="nl-NL" dirty="0"/>
-              <a:t>Resultaten &amp; </a:t>
-            </a:r>
-            <a:r>
-              <a:rPr lang="nl-NL" dirty="0"/>
-              <a:t>discussie</a:t>
+              <a:t>Resultaten &amp; discussie</a:t>
             </a:r>
             <a:br>
               <a:rPr lang="nl-NL" dirty="0"/>
@@ -5432,7 +5574,15 @@
           <a:bodyPr/>
           <a:lstStyle/>
           <a:p>
-            <a:endParaRPr lang="nl-NL"/>
+            <a:r>
+              <a:rPr lang="nl-NL" dirty="0" err="1" smtClean="0"/>
+              <a:t>This</a:t>
+            </a:r>
+            <a:r>
+              <a:rPr lang="nl-NL" dirty="0" smtClean="0"/>
+              <a:t> week</a:t>
+            </a:r>
+            <a:endParaRPr lang="nl-NL" dirty="0"/>
           </a:p>
         </p:txBody>
       </p:sp>
@@ -5460,11 +5610,7 @@
           <a:p>
             <a:r>
               <a:rPr lang="nl-NL" dirty="0"/>
-              <a:t>Resultaten &amp; </a:t>
-            </a:r>
-            <a:r>
-              <a:rPr lang="nl-NL" dirty="0"/>
-              <a:t>discussie</a:t>
+              <a:t>Resultaten &amp; discussie</a:t>
             </a:r>
             <a:br>
               <a:rPr lang="nl-NL" dirty="0"/>
@@ -5552,30 +5698,24 @@
           <a:lstStyle/>
           <a:p>
             <a:r>
+              <a:rPr lang="nl-NL" dirty="0" err="1" smtClean="0"/>
+              <a:t>This</a:t>
+            </a:r>
+            <a:r>
               <a:rPr lang="nl-NL" dirty="0" smtClean="0"/>
-              <a:t>20, 40 of 60 huizen?</a:t>
-            </a:r>
-          </a:p>
-          <a:p>
-            <a:endParaRPr lang="nl-NL" dirty="0"/>
-          </a:p>
-          <a:p>
-            <a:r>
-              <a:rPr lang="nl-NL" dirty="0" smtClean="0"/>
-              <a:t>Voor </a:t>
-            </a:r>
-            <a:r>
-              <a:rPr lang="nl-NL" dirty="0" err="1" smtClean="0"/>
-              <a:t>vrijstand</a:t>
-            </a:r>
-            <a:r>
-              <a:rPr lang="nl-NL" dirty="0" smtClean="0"/>
-              <a:t> en voor </a:t>
-            </a:r>
-            <a:r>
-              <a:rPr lang="nl-NL" dirty="0" err="1" smtClean="0"/>
-              <a:t>value</a:t>
-            </a:r>
+              <a:t> week</a:t>
+            </a:r>
+          </a:p>
+          <a:p>
+            <a:pPr marL="0" indent="0">
+              <a:buNone/>
+            </a:pPr>
+            <a:endParaRPr lang="nl-NL" dirty="0" smtClean="0"/>
+          </a:p>
+          <a:p>
+            <a:endParaRPr lang="nl-NL" dirty="0" smtClean="0"/>
+          </a:p>
+          <a:p>
             <a:endParaRPr lang="nl-NL" dirty="0"/>
           </a:p>
         </p:txBody>
@@ -5678,7 +5818,61 @@
           <a:p>
             <a:r>
               <a:rPr lang="nl-NL" dirty="0" smtClean="0"/>
-              <a:t>Het beste is dus…</a:t>
+              <a:t>Tot nu</a:t>
+            </a:r>
+            <a:r>
+              <a:rPr lang="nl-NL" dirty="0"/>
+              <a:t> </a:t>
+            </a:r>
+            <a:r>
+              <a:rPr lang="nl-NL" dirty="0" smtClean="0"/>
+              <a:t>toe</a:t>
+            </a:r>
+          </a:p>
+          <a:p>
+            <a:endParaRPr lang="nl-NL" dirty="0"/>
+          </a:p>
+          <a:p>
+            <a:r>
+              <a:rPr lang="nl-NL" dirty="0" smtClean="0"/>
+              <a:t>Hill </a:t>
+            </a:r>
+            <a:r>
+              <a:rPr lang="nl-NL" dirty="0" err="1" smtClean="0"/>
+              <a:t>Climber</a:t>
+            </a:r>
+            <a:r>
+              <a:rPr lang="nl-NL" dirty="0" smtClean="0"/>
+              <a:t> &gt; Random sampling</a:t>
+            </a:r>
+          </a:p>
+          <a:p>
+            <a:endParaRPr lang="nl-NL" dirty="0"/>
+          </a:p>
+          <a:p>
+            <a:r>
+              <a:rPr lang="nl-NL" dirty="0" err="1" smtClean="0"/>
+              <a:t>Simulated</a:t>
+            </a:r>
+            <a:r>
+              <a:rPr lang="nl-NL" dirty="0" smtClean="0"/>
+              <a:t> </a:t>
+            </a:r>
+            <a:r>
+              <a:rPr lang="nl-NL" dirty="0" err="1" smtClean="0"/>
+              <a:t>Annealing</a:t>
+            </a:r>
+            <a:r>
+              <a:rPr lang="nl-NL" dirty="0" smtClean="0"/>
+              <a:t> &gt; Hill </a:t>
+            </a:r>
+            <a:r>
+              <a:rPr lang="nl-NL" dirty="0" err="1" smtClean="0"/>
+              <a:t>Climber</a:t>
+            </a:r>
+            <a:r>
+              <a:rPr lang="nl-NL" dirty="0" smtClean="0"/>
+              <a:t> ?</a:t>
             </a:r>
             <a:endParaRPr lang="nl-NL" dirty="0"/>
           </a:p>
@@ -5740,7 +5934,7 @@
     <p:bg>
       <p:bgPr>
         <a:blipFill dpi="0" rotWithShape="1">
-          <a:blip r:embed="rId2">
+          <a:blip r:embed="rId3">
             <a:lum/>
           </a:blip>
           <a:srcRect/>
@@ -5781,8 +5975,8 @@
           <a:lstStyle/>
           <a:p>
             <a:r>
-              <a:rPr lang="en-GB" dirty="0" smtClean="0"/>
-              <a:t>Introduction</a:t>
+              <a:rPr lang="en-GB" dirty="0" err="1" smtClean="0"/>
+              <a:t>Inleiding</a:t>
             </a:r>
             <a:endParaRPr lang="en-GB" dirty="0"/>
           </a:p>
@@ -5833,11 +6027,7 @@
           <a:p>
             <a:r>
               <a:rPr lang="nl-NL" dirty="0" smtClean="0"/>
-              <a:t>Resultaten &amp; </a:t>
-            </a:r>
-            <a:r>
-              <a:rPr lang="nl-NL" dirty="0" smtClean="0"/>
-              <a:t>discussie</a:t>
+              <a:t>Resultaten &amp; discussie</a:t>
             </a:r>
             <a:endParaRPr lang="en-GB" dirty="0" smtClean="0"/>
           </a:p>
@@ -5941,17 +6131,13 @@
         <p:spPr/>
         <p:txBody>
           <a:bodyPr>
-            <a:normAutofit/>
+            <a:normAutofit lnSpcReduction="10000"/>
           </a:bodyPr>
           <a:lstStyle/>
           <a:p>
             <a:r>
               <a:rPr lang="nl-NL" dirty="0" smtClean="0"/>
-              <a:t>Huizen </a:t>
-            </a:r>
-            <a:r>
-              <a:rPr lang="nl-NL" dirty="0" smtClean="0"/>
-              <a:t>bouwen op grond</a:t>
+              <a:t>Huizen bouwen op grond</a:t>
             </a:r>
             <a:br>
               <a:rPr lang="nl-NL" dirty="0" smtClean="0"/>
@@ -5980,7 +6166,7 @@
             </a:r>
           </a:p>
           <a:p>
-            <a:endParaRPr lang="nl-NL" dirty="0" smtClean="0"/>
+            <a:endParaRPr lang="nl-NL" sz="2000" dirty="0" smtClean="0"/>
           </a:p>
           <a:p>
             <a:r>
@@ -6004,15 +6190,13 @@
             </a:r>
           </a:p>
           <a:p>
+            <a:endParaRPr lang="nl-NL" sz="2000" dirty="0" smtClean="0"/>
+          </a:p>
+          <a:p>
             <a:r>
               <a:rPr lang="nl-NL" dirty="0" smtClean="0"/>
-              <a:t>3 </a:t>
-            </a:r>
-            <a:r>
-              <a:rPr lang="nl-NL" dirty="0" smtClean="0"/>
-              <a:t>situaties </a:t>
-            </a:r>
-            <a:endParaRPr lang="nl-NL" dirty="0" smtClean="0"/>
+              <a:t>3 situaties </a:t>
+            </a:r>
           </a:p>
           <a:p>
             <a:pPr lvl="1"/>
@@ -6167,22 +6351,7 @@
           <a:p>
             <a:r>
               <a:rPr lang="nl-NL" dirty="0" smtClean="0"/>
-              <a:t>Vrijstaande ruimte ↑</a:t>
-            </a:r>
-            <a:br>
-              <a:rPr lang="nl-NL" dirty="0" smtClean="0"/>
-            </a:br>
-            <a:r>
-              <a:rPr lang="nl-NL" dirty="0" smtClean="0"/>
-              <a:t>Winst</a:t>
-            </a:r>
-            <a:r>
-              <a:rPr lang="nl-NL" dirty="0"/>
-              <a:t> </a:t>
-            </a:r>
-            <a:r>
-              <a:rPr lang="nl-NL" dirty="0" smtClean="0"/>
-              <a:t>↑</a:t>
+              <a:t>Vrijstaande ruimte</a:t>
             </a:r>
             <a:endParaRPr lang="nl-NL" dirty="0"/>
           </a:p>
@@ -6782,30 +6951,6 @@
       </p:pic>
       <p:pic>
         <p:nvPicPr>
-          <p:cNvPr id="8" name="Picture 7"/>
-          <p:cNvPicPr>
-            <a:picLocks noChangeAspect="1"/>
-          </p:cNvPicPr>
-          <p:nvPr/>
-        </p:nvPicPr>
-        <p:blipFill>
-          <a:blip r:embed="rId4"/>
-          <a:stretch>
-            <a:fillRect/>
-          </a:stretch>
-        </p:blipFill>
-        <p:spPr>
-          <a:xfrm>
-            <a:off x="9743431" y="1387818"/>
-            <a:ext cx="1552575" cy="1314450"/>
-          </a:xfrm>
-          <a:prstGeom prst="rect">
-            <a:avLst/>
-          </a:prstGeom>
-        </p:spPr>
-      </p:pic>
-      <p:pic>
-        <p:nvPicPr>
           <p:cNvPr id="9" name="Picture 8"/>
           <p:cNvPicPr>
             <a:picLocks noChangeAspect="1"/>
@@ -6820,7 +6965,7 @@
         </p:blipFill>
         <p:spPr>
           <a:xfrm>
-            <a:off x="6733531" y="2575190"/>
+            <a:off x="6733531" y="2586303"/>
             <a:ext cx="3009900" cy="1971675"/>
           </a:xfrm>
           <a:prstGeom prst="rect">
@@ -6893,7 +7038,7 @@
         </p:spPr>
         <p:txBody>
           <a:bodyPr>
-            <a:normAutofit fontScale="92500" lnSpcReduction="10000"/>
+            <a:normAutofit/>
           </a:bodyPr>
           <a:lstStyle/>
           <a:p>
@@ -6932,22 +7077,6 @@
             <a:r>
               <a:rPr lang="nl-NL" dirty="0" smtClean="0"/>
               <a:t>een verhouding 1:4</a:t>
-            </a:r>
-          </a:p>
-          <a:p>
-            <a:endParaRPr lang="nl-NL" dirty="0" smtClean="0"/>
-          </a:p>
-          <a:p>
-            <a:r>
-              <a:rPr lang="nl-NL" dirty="0" smtClean="0"/>
-              <a:t>leg uit wat vrijstaande ruimte </a:t>
-            </a:r>
-            <a:br>
-              <a:rPr lang="nl-NL" dirty="0" smtClean="0"/>
-            </a:br>
-            <a:r>
-              <a:rPr lang="nl-NL" dirty="0" smtClean="0"/>
-              <a:t>is</a:t>
             </a:r>
           </a:p>
           <a:p>
@@ -6982,6 +7111,30 @@
           </a:prstGeom>
         </p:spPr>
       </p:pic>
+      <p:pic>
+        <p:nvPicPr>
+          <p:cNvPr id="8" name="Picture 7"/>
+          <p:cNvPicPr>
+            <a:picLocks noChangeAspect="1"/>
+          </p:cNvPicPr>
+          <p:nvPr/>
+        </p:nvPicPr>
+        <p:blipFill>
+          <a:blip r:embed="rId4"/>
+          <a:stretch>
+            <a:fillRect/>
+          </a:stretch>
+        </p:blipFill>
+        <p:spPr>
+          <a:xfrm>
+            <a:off x="9743431" y="1387818"/>
+            <a:ext cx="1552575" cy="1314450"/>
+          </a:xfrm>
+          <a:prstGeom prst="rect">
+            <a:avLst/>
+          </a:prstGeom>
+        </p:spPr>
+      </p:pic>
     </p:spTree>
     <p:extLst>
       <p:ext uri="{BB962C8B-B14F-4D97-AF65-F5344CB8AC3E}">
@@ -6995,213 +7148,7 @@
   <p:timing>
     <p:tnLst>
       <p:par>
-        <p:cTn id="1" dur="indefinite" restart="never" nodeType="tmRoot">
-          <p:childTnLst>
-            <p:seq concurrent="1" nextAc="seek">
-              <p:cTn id="2" dur="indefinite" nodeType="mainSeq">
-                <p:childTnLst>
-                  <p:par>
-                    <p:cTn id="3" fill="hold">
-                      <p:stCondLst>
-                        <p:cond delay="indefinite"/>
-                        <p:cond evt="onBegin" delay="0">
-                          <p:tn val="2"/>
-                        </p:cond>
-                      </p:stCondLst>
-                      <p:childTnLst>
-                        <p:par>
-                          <p:cTn id="4" fill="hold">
-                            <p:stCondLst>
-                              <p:cond delay="0"/>
-                            </p:stCondLst>
-                            <p:childTnLst>
-                              <p:par>
-                                <p:cTn id="5" presetID="1" presetClass="entr" presetSubtype="0" fill="hold" nodeType="withEffect">
-                                  <p:stCondLst>
-                                    <p:cond delay="0"/>
-                                  </p:stCondLst>
-                                  <p:childTnLst>
-                                    <p:set>
-                                      <p:cBhvr>
-                                        <p:cTn id="6" dur="1" fill="hold">
-                                          <p:stCondLst>
-                                            <p:cond delay="0"/>
-                                          </p:stCondLst>
-                                        </p:cTn>
-                                        <p:tgtEl>
-                                          <p:spTgt spid="10"/>
-                                        </p:tgtEl>
-                                        <p:attrNameLst>
-                                          <p:attrName>style.visibility</p:attrName>
-                                        </p:attrNameLst>
-                                      </p:cBhvr>
-                                      <p:to>
-                                        <p:strVal val="visible"/>
-                                      </p:to>
-                                    </p:set>
-                                  </p:childTnLst>
-                                </p:cTn>
-                              </p:par>
-                              <p:par>
-                                <p:cTn id="7" presetID="1" presetClass="entr" presetSubtype="0" fill="hold" nodeType="withEffect">
-                                  <p:stCondLst>
-                                    <p:cond delay="0"/>
-                                  </p:stCondLst>
-                                  <p:childTnLst>
-                                    <p:set>
-                                      <p:cBhvr>
-                                        <p:cTn id="8" dur="1" fill="hold">
-                                          <p:stCondLst>
-                                            <p:cond delay="0"/>
-                                          </p:stCondLst>
-                                        </p:cTn>
-                                        <p:tgtEl>
-                                          <p:spTgt spid="8"/>
-                                        </p:tgtEl>
-                                        <p:attrNameLst>
-                                          <p:attrName>style.visibility</p:attrName>
-                                        </p:attrNameLst>
-                                      </p:cBhvr>
-                                      <p:to>
-                                        <p:strVal val="visible"/>
-                                      </p:to>
-                                    </p:set>
-                                  </p:childTnLst>
-                                </p:cTn>
-                              </p:par>
-                              <p:par>
-                                <p:cTn id="9" presetID="1" presetClass="entr" presetSubtype="0" fill="hold" nodeType="withEffect">
-                                  <p:stCondLst>
-                                    <p:cond delay="0"/>
-                                  </p:stCondLst>
-                                  <p:childTnLst>
-                                    <p:set>
-                                      <p:cBhvr>
-                                        <p:cTn id="10" dur="1" fill="hold">
-                                          <p:stCondLst>
-                                            <p:cond delay="0"/>
-                                          </p:stCondLst>
-                                        </p:cTn>
-                                        <p:tgtEl>
-                                          <p:spTgt spid="9"/>
-                                        </p:tgtEl>
-                                        <p:attrNameLst>
-                                          <p:attrName>style.visibility</p:attrName>
-                                        </p:attrNameLst>
-                                      </p:cBhvr>
-                                      <p:to>
-                                        <p:strVal val="visible"/>
-                                      </p:to>
-                                    </p:set>
-                                  </p:childTnLst>
-                                </p:cTn>
-                              </p:par>
-                              <p:par>
-                                <p:cTn id="11" presetID="1" presetClass="entr" presetSubtype="0" fill="hold" nodeType="withEffect">
-                                  <p:stCondLst>
-                                    <p:cond delay="0"/>
-                                  </p:stCondLst>
-                                  <p:childTnLst>
-                                    <p:set>
-                                      <p:cBhvr>
-                                        <p:cTn id="12" dur="1" fill="hold">
-                                          <p:stCondLst>
-                                            <p:cond delay="0"/>
-                                          </p:stCondLst>
-                                        </p:cTn>
-                                        <p:tgtEl>
-                                          <p:spTgt spid="13"/>
-                                        </p:tgtEl>
-                                        <p:attrNameLst>
-                                          <p:attrName>style.visibility</p:attrName>
-                                        </p:attrNameLst>
-                                      </p:cBhvr>
-                                      <p:to>
-                                        <p:strVal val="visible"/>
-                                      </p:to>
-                                    </p:set>
-                                  </p:childTnLst>
-                                </p:cTn>
-                              </p:par>
-                              <p:par>
-                                <p:cTn id="13" presetID="1" presetClass="entr" presetSubtype="0" fill="hold" nodeType="withEffect">
-                                  <p:stCondLst>
-                                    <p:cond delay="0"/>
-                                  </p:stCondLst>
-                                  <p:childTnLst>
-                                    <p:set>
-                                      <p:cBhvr>
-                                        <p:cTn id="14" dur="1" fill="hold">
-                                          <p:stCondLst>
-                                            <p:cond delay="0"/>
-                                          </p:stCondLst>
-                                        </p:cTn>
-                                        <p:tgtEl>
-                                          <p:spTgt spid="11"/>
-                                        </p:tgtEl>
-                                        <p:attrNameLst>
-                                          <p:attrName>style.visibility</p:attrName>
-                                        </p:attrNameLst>
-                                      </p:cBhvr>
-                                      <p:to>
-                                        <p:strVal val="visible"/>
-                                      </p:to>
-                                    </p:set>
-                                  </p:childTnLst>
-                                </p:cTn>
-                              </p:par>
-                              <p:par>
-                                <p:cTn id="15" presetID="1" presetClass="entr" presetSubtype="0" fill="hold" nodeType="withEffect">
-                                  <p:stCondLst>
-                                    <p:cond delay="0"/>
-                                  </p:stCondLst>
-                                  <p:childTnLst>
-                                    <p:set>
-                                      <p:cBhvr>
-                                        <p:cTn id="16" dur="1" fill="hold">
-                                          <p:stCondLst>
-                                            <p:cond delay="0"/>
-                                          </p:stCondLst>
-                                        </p:cTn>
-                                        <p:tgtEl>
-                                          <p:spTgt spid="12"/>
-                                        </p:tgtEl>
-                                        <p:attrNameLst>
-                                          <p:attrName>style.visibility</p:attrName>
-                                        </p:attrNameLst>
-                                      </p:cBhvr>
-                                      <p:to>
-                                        <p:strVal val="visible"/>
-                                      </p:to>
-                                    </p:set>
-                                  </p:childTnLst>
-                                </p:cTn>
-                              </p:par>
-                            </p:childTnLst>
-                          </p:cTn>
-                        </p:par>
-                      </p:childTnLst>
-                    </p:cTn>
-                  </p:par>
-                </p:childTnLst>
-              </p:cTn>
-              <p:prevCondLst>
-                <p:cond evt="onPrev" delay="0">
-                  <p:tgtEl>
-                    <p:sldTgt/>
-                  </p:tgtEl>
-                </p:cond>
-              </p:prevCondLst>
-              <p:nextCondLst>
-                <p:cond evt="onNext" delay="0">
-                  <p:tgtEl>
-                    <p:sldTgt/>
-                  </p:tgtEl>
-                </p:cond>
-              </p:nextCondLst>
-            </p:seq>
-          </p:childTnLst>
-        </p:cTn>
+        <p:cTn id="1" dur="indefinite" restart="never" nodeType="tmRoot"/>
       </p:par>
     </p:tnLst>
   </p:timing>
@@ -7310,18 +7257,7 @@
           <a:p>
             <a:r>
               <a:rPr lang="nl-NL" dirty="0" smtClean="0"/>
-              <a:t>Vraagstelling:</a:t>
-            </a:r>
-            <a:br>
-              <a:rPr lang="nl-NL" dirty="0" smtClean="0"/>
-            </a:br>
-            <a:r>
-              <a:rPr lang="nl-NL" dirty="0" smtClean="0"/>
-              <a:t>Welk algoritme</a:t>
-            </a:r>
-            <a:r>
-              <a:rPr lang="nl-NL" dirty="0" smtClean="0"/>
-              <a:t>, met welke parameters levert de meeste winst/vrijstaande ruimte op per case?</a:t>
+              <a:t>Welk algoritme, met welke parameters levert de meeste winst/vrijstaande ruimte op per case?</a:t>
             </a:r>
             <a:endParaRPr lang="nl-NL" dirty="0"/>
           </a:p>
@@ -7399,6 +7335,30 @@
           </a:prstGeom>
         </p:spPr>
       </p:pic>
+      <p:pic>
+        <p:nvPicPr>
+          <p:cNvPr id="10" name="Picture 9"/>
+          <p:cNvPicPr>
+            <a:picLocks noChangeAspect="1"/>
+          </p:cNvPicPr>
+          <p:nvPr/>
+        </p:nvPicPr>
+        <p:blipFill>
+          <a:blip r:embed="rId8"/>
+          <a:stretch>
+            <a:fillRect/>
+          </a:stretch>
+        </p:blipFill>
+        <p:spPr>
+          <a:xfrm>
+            <a:off x="6686549" y="1208530"/>
+            <a:ext cx="1952625" cy="1943100"/>
+          </a:xfrm>
+          <a:prstGeom prst="rect">
+            <a:avLst/>
+          </a:prstGeom>
+        </p:spPr>
+      </p:pic>
     </p:spTree>
     <p:extLst>
       <p:ext uri="{BB962C8B-B14F-4D97-AF65-F5344CB8AC3E}">
@@ -7412,132 +7372,7 @@
   <p:timing>
     <p:tnLst>
       <p:par>
-        <p:cTn id="1" dur="indefinite" restart="never" nodeType="tmRoot">
-          <p:childTnLst>
-            <p:seq concurrent="1" nextAc="seek">
-              <p:cTn id="2" dur="indefinite" nodeType="mainSeq">
-                <p:childTnLst>
-                  <p:par>
-                    <p:cTn id="3" fill="hold">
-                      <p:stCondLst>
-                        <p:cond delay="indefinite"/>
-                        <p:cond evt="onBegin" delay="0">
-                          <p:tn val="2"/>
-                        </p:cond>
-                      </p:stCondLst>
-                      <p:childTnLst>
-                        <p:par>
-                          <p:cTn id="4" fill="hold">
-                            <p:stCondLst>
-                              <p:cond delay="0"/>
-                            </p:stCondLst>
-                            <p:childTnLst>
-                              <p:par>
-                                <p:cTn id="5" presetID="1" presetClass="entr" presetSubtype="0" fill="hold" nodeType="withEffect">
-                                  <p:stCondLst>
-                                    <p:cond delay="0"/>
-                                  </p:stCondLst>
-                                  <p:childTnLst>
-                                    <p:set>
-                                      <p:cBhvr>
-                                        <p:cTn id="6" dur="1" fill="hold">
-                                          <p:stCondLst>
-                                            <p:cond delay="0"/>
-                                          </p:stCondLst>
-                                        </p:cTn>
-                                        <p:tgtEl>
-                                          <p:spTgt spid="8"/>
-                                        </p:tgtEl>
-                                        <p:attrNameLst>
-                                          <p:attrName>style.visibility</p:attrName>
-                                        </p:attrNameLst>
-                                      </p:cBhvr>
-                                      <p:to>
-                                        <p:strVal val="visible"/>
-                                      </p:to>
-                                    </p:set>
-                                  </p:childTnLst>
-                                </p:cTn>
-                              </p:par>
-                              <p:par>
-                                <p:cTn id="7" presetID="1" presetClass="entr" presetSubtype="0" fill="hold" nodeType="withEffect">
-                                  <p:stCondLst>
-                                    <p:cond delay="0"/>
-                                  </p:stCondLst>
-                                  <p:childTnLst>
-                                    <p:set>
-                                      <p:cBhvr>
-                                        <p:cTn id="8" dur="1" fill="hold">
-                                          <p:stCondLst>
-                                            <p:cond delay="0"/>
-                                          </p:stCondLst>
-                                        </p:cTn>
-                                        <p:tgtEl>
-                                          <p:spTgt spid="6"/>
-                                        </p:tgtEl>
-                                        <p:attrNameLst>
-                                          <p:attrName>style.visibility</p:attrName>
-                                        </p:attrNameLst>
-                                      </p:cBhvr>
-                                      <p:to>
-                                        <p:strVal val="visible"/>
-                                      </p:to>
-                                    </p:set>
-                                  </p:childTnLst>
-                                </p:cTn>
-                              </p:par>
-                              <p:par>
-                                <p:cTn id="9" presetID="1" presetClass="entr" presetSubtype="0" fill="hold" nodeType="withEffect">
-                                  <p:stCondLst>
-                                    <p:cond delay="0"/>
-                                  </p:stCondLst>
-                                  <p:childTnLst>
-                                    <p:set>
-                                      <p:cBhvr>
-                                        <p:cTn id="10" dur="1" fill="hold">
-                                          <p:stCondLst>
-                                            <p:cond delay="0"/>
-                                          </p:stCondLst>
-                                        </p:cTn>
-                                        <p:tgtEl>
-                                          <p:spTgt spid="7"/>
-                                        </p:tgtEl>
-                                        <p:attrNameLst>
-                                          <p:attrName>style.visibility</p:attrName>
-                                        </p:attrNameLst>
-                                      </p:cBhvr>
-                                      <p:to>
-                                        <p:strVal val="visible"/>
-                                      </p:to>
-                                    </p:set>
-                                  </p:childTnLst>
-                                </p:cTn>
-                              </p:par>
-                            </p:childTnLst>
-                          </p:cTn>
-                        </p:par>
-                      </p:childTnLst>
-                    </p:cTn>
-                  </p:par>
-                </p:childTnLst>
-              </p:cTn>
-              <p:prevCondLst>
-                <p:cond evt="onPrev" delay="0">
-                  <p:tgtEl>
-                    <p:sldTgt/>
-                  </p:tgtEl>
-                </p:cond>
-              </p:prevCondLst>
-              <p:nextCondLst>
-                <p:cond evt="onNext" delay="0">
-                  <p:tgtEl>
-                    <p:sldTgt/>
-                  </p:tgtEl>
-                </p:cond>
-              </p:nextCondLst>
-            </p:seq>
-          </p:childTnLst>
-        </p:cTn>
+        <p:cTn id="1" dur="indefinite" restart="never" nodeType="tmRoot"/>
       </p:par>
     </p:tnLst>
   </p:timing>
@@ -7598,8 +7433,8 @@
           </a:p>
         </p:txBody>
       </p:sp>
-      <mc:AlternateContent xmlns:mc="http://schemas.openxmlformats.org/markup-compatibility/2006">
-        <mc:Choice xmlns:a14="http://schemas.microsoft.com/office/drawing/2010/main" Requires="a14">
+      <mc:AlternateContent xmlns:mc="http://schemas.openxmlformats.org/markup-compatibility/2006" xmlns:a14="http://schemas.microsoft.com/office/drawing/2010/main">
+        <mc:Choice Requires="a14">
           <p:sp>
             <p:nvSpPr>
               <p:cNvPr id="3" name="Content Placeholder 2"/>
@@ -7619,7 +7454,6 @@
                   <a:rPr lang="nl-NL" dirty="0" smtClean="0"/>
                   <a:t>Toestandsgrootte complexiteit </a:t>
                 </a:r>
-                <a:endParaRPr lang="nl-NL" dirty="0" smtClean="0"/>
               </a:p>
               <a:p>
                 <a:pPr lvl="1"/>
@@ -7771,7 +7605,7 @@
             </p:txBody>
           </p:sp>
         </mc:Choice>
-        <mc:Fallback>
+        <mc:Fallback xmlns="">
           <p:sp>
             <p:nvSpPr>
               <p:cNvPr id="3" name="Content Placeholder 2"/>
@@ -7922,7 +7756,6 @@
               <a:rPr lang="nl-NL" dirty="0" smtClean="0"/>
               <a:t>Plaats het water en de huizen</a:t>
             </a:r>
-            <a:endParaRPr lang="nl-NL" dirty="0" smtClean="0"/>
           </a:p>
           <a:p>
             <a:pPr marL="514350" indent="-514350">
@@ -7947,7 +7780,6 @@
               <a:rPr lang="nl-NL" dirty="0" smtClean="0"/>
               <a:t>Toestandsgrootte bepalen</a:t>
             </a:r>
-            <a:endParaRPr lang="nl-NL" dirty="0" smtClean="0"/>
           </a:p>
         </p:txBody>
       </p:sp>
